--- a/Diagnostics/local/Cori/mass25/figures/New Microsoft PowerPoint Presentation.pptx
+++ b/Diagnostics/local/Cori/mass25/figures/New Microsoft PowerPoint Presentation.pptx
@@ -1,13 +1,16 @@
 
 <file path=ppt/presentation.xml><?xml version="1.0" encoding="utf-8"?>
-<p:presentation xmlns:a="http://schemas.openxmlformats.org/drawingml/2006/main" xmlns:r="http://schemas.openxmlformats.org/officeDocument/2006/relationships" xmlns:p="http://schemas.openxmlformats.org/presentationml/2006/main" saveSubsetFonts="1">
+<p:presentation xmlns:a="http://schemas.openxmlformats.org/drawingml/2006/main" xmlns:r="http://schemas.openxmlformats.org/officeDocument/2006/relationships" xmlns:p="http://schemas.openxmlformats.org/presentationml/2006/main" firstSlideNum="2" saveSubsetFonts="1">
   <p:sldMasterIdLst>
-    <p:sldMasterId id="2147483708" r:id="rId1"/>
+    <p:sldMasterId id="2147483744" r:id="rId1"/>
   </p:sldMasterIdLst>
+  <p:notesMasterIdLst>
+    <p:notesMasterId r:id="rId3"/>
+  </p:notesMasterIdLst>
   <p:sldIdLst>
-    <p:sldId id="256" r:id="rId2"/>
+    <p:sldId id="258" r:id="rId2"/>
   </p:sldIdLst>
-  <p:sldSz cx="10058400" cy="6858000"/>
+  <p:sldSz cx="10058400" cy="5668963"/>
   <p:notesSz cx="6858000" cy="9144000"/>
   <p:defaultTextStyle>
     <a:defPPr>
@@ -112,6 +115,355 @@
 </p:presentation>
 </file>
 
+<file path=ppt/notesMasters/notesMaster1.xml><?xml version="1.0" encoding="utf-8"?>
+<p:notesMaster xmlns:a="http://schemas.openxmlformats.org/drawingml/2006/main" xmlns:r="http://schemas.openxmlformats.org/officeDocument/2006/relationships" xmlns:p="http://schemas.openxmlformats.org/presentationml/2006/main">
+  <p:cSld>
+    <p:bg>
+      <p:bgRef idx="1001">
+        <a:schemeClr val="bg1"/>
+      </p:bgRef>
+    </p:bg>
+    <p:spTree>
+      <p:nvGrpSpPr>
+        <p:cNvPr id="1" name=""/>
+        <p:cNvGrpSpPr/>
+        <p:nvPr/>
+      </p:nvGrpSpPr>
+      <p:grpSpPr>
+        <a:xfrm>
+          <a:off x="0" y="0"/>
+          <a:ext cx="0" cy="0"/>
+          <a:chOff x="0" y="0"/>
+          <a:chExt cx="0" cy="0"/>
+        </a:xfrm>
+      </p:grpSpPr>
+      <p:sp>
+        <p:nvSpPr>
+          <p:cNvPr id="2" name="Header Placeholder 1"/>
+          <p:cNvSpPr>
+            <a:spLocks noGrp="1"/>
+          </p:cNvSpPr>
+          <p:nvPr>
+            <p:ph type="hdr" sz="quarter"/>
+          </p:nvPr>
+        </p:nvSpPr>
+        <p:spPr>
+          <a:xfrm>
+            <a:off x="0" y="0"/>
+            <a:ext cx="2971800" cy="458788"/>
+          </a:xfrm>
+          <a:prstGeom prst="rect">
+            <a:avLst/>
+          </a:prstGeom>
+        </p:spPr>
+        <p:txBody>
+          <a:bodyPr vert="horz" lIns="91440" tIns="45720" rIns="91440" bIns="45720" rtlCol="0"/>
+          <a:lstStyle>
+            <a:lvl1pPr algn="l">
+              <a:defRPr sz="1200"/>
+            </a:lvl1pPr>
+          </a:lstStyle>
+          <a:p>
+            <a:endParaRPr lang="en-US"/>
+          </a:p>
+        </p:txBody>
+      </p:sp>
+      <p:sp>
+        <p:nvSpPr>
+          <p:cNvPr id="3" name="Date Placeholder 2"/>
+          <p:cNvSpPr>
+            <a:spLocks noGrp="1"/>
+          </p:cNvSpPr>
+          <p:nvPr>
+            <p:ph type="dt" idx="1"/>
+          </p:nvPr>
+        </p:nvSpPr>
+        <p:spPr>
+          <a:xfrm>
+            <a:off x="3884613" y="0"/>
+            <a:ext cx="2971800" cy="458788"/>
+          </a:xfrm>
+          <a:prstGeom prst="rect">
+            <a:avLst/>
+          </a:prstGeom>
+        </p:spPr>
+        <p:txBody>
+          <a:bodyPr vert="horz" lIns="91440" tIns="45720" rIns="91440" bIns="45720" rtlCol="0"/>
+          <a:lstStyle>
+            <a:lvl1pPr algn="r">
+              <a:defRPr sz="1200"/>
+            </a:lvl1pPr>
+          </a:lstStyle>
+          <a:p>
+            <a:fld id="{35AC45B3-7EA6-4BE2-93A0-CBD29CB287C0}" type="datetimeFigureOut">
+              <a:rPr lang="en-US" smtClean="0"/>
+              <a:t>8/18/2022</a:t>
+            </a:fld>
+            <a:endParaRPr lang="en-US"/>
+          </a:p>
+        </p:txBody>
+      </p:sp>
+      <p:sp>
+        <p:nvSpPr>
+          <p:cNvPr id="4" name="Slide Image Placeholder 3"/>
+          <p:cNvSpPr>
+            <a:spLocks noGrp="1" noRot="1" noChangeAspect="1"/>
+          </p:cNvSpPr>
+          <p:nvPr>
+            <p:ph type="sldImg" idx="2"/>
+          </p:nvPr>
+        </p:nvSpPr>
+        <p:spPr>
+          <a:xfrm>
+            <a:off x="690563" y="1143000"/>
+            <a:ext cx="5476875" cy="3086100"/>
+          </a:xfrm>
+          <a:prstGeom prst="rect">
+            <a:avLst/>
+          </a:prstGeom>
+          <a:noFill/>
+          <a:ln w="12700">
+            <a:solidFill>
+              <a:prstClr val="black"/>
+            </a:solidFill>
+          </a:ln>
+        </p:spPr>
+        <p:txBody>
+          <a:bodyPr vert="horz" lIns="91440" tIns="45720" rIns="91440" bIns="45720" rtlCol="0" anchor="ctr"/>
+          <a:lstStyle/>
+          <a:p>
+            <a:endParaRPr lang="en-US"/>
+          </a:p>
+        </p:txBody>
+      </p:sp>
+      <p:sp>
+        <p:nvSpPr>
+          <p:cNvPr id="5" name="Notes Placeholder 4"/>
+          <p:cNvSpPr>
+            <a:spLocks noGrp="1"/>
+          </p:cNvSpPr>
+          <p:nvPr>
+            <p:ph type="body" sz="quarter" idx="3"/>
+          </p:nvPr>
+        </p:nvSpPr>
+        <p:spPr>
+          <a:xfrm>
+            <a:off x="685800" y="4400550"/>
+            <a:ext cx="5486400" cy="3600450"/>
+          </a:xfrm>
+          <a:prstGeom prst="rect">
+            <a:avLst/>
+          </a:prstGeom>
+        </p:spPr>
+        <p:txBody>
+          <a:bodyPr vert="horz" lIns="91440" tIns="45720" rIns="91440" bIns="45720" rtlCol="0"/>
+          <a:lstStyle/>
+          <a:p>
+            <a:pPr lvl="0"/>
+            <a:r>
+              <a:rPr lang="en-US"/>
+              <a:t>Edit Master text styles</a:t>
+            </a:r>
+          </a:p>
+          <a:p>
+            <a:pPr lvl="1"/>
+            <a:r>
+              <a:rPr lang="en-US"/>
+              <a:t>Second level</a:t>
+            </a:r>
+          </a:p>
+          <a:p>
+            <a:pPr lvl="2"/>
+            <a:r>
+              <a:rPr lang="en-US"/>
+              <a:t>Third level</a:t>
+            </a:r>
+          </a:p>
+          <a:p>
+            <a:pPr lvl="3"/>
+            <a:r>
+              <a:rPr lang="en-US"/>
+              <a:t>Fourth level</a:t>
+            </a:r>
+          </a:p>
+          <a:p>
+            <a:pPr lvl="4"/>
+            <a:r>
+              <a:rPr lang="en-US"/>
+              <a:t>Fifth level</a:t>
+            </a:r>
+          </a:p>
+        </p:txBody>
+      </p:sp>
+      <p:sp>
+        <p:nvSpPr>
+          <p:cNvPr id="6" name="Footer Placeholder 5"/>
+          <p:cNvSpPr>
+            <a:spLocks noGrp="1"/>
+          </p:cNvSpPr>
+          <p:nvPr>
+            <p:ph type="ftr" sz="quarter" idx="4"/>
+          </p:nvPr>
+        </p:nvSpPr>
+        <p:spPr>
+          <a:xfrm>
+            <a:off x="0" y="8685213"/>
+            <a:ext cx="2971800" cy="458787"/>
+          </a:xfrm>
+          <a:prstGeom prst="rect">
+            <a:avLst/>
+          </a:prstGeom>
+        </p:spPr>
+        <p:txBody>
+          <a:bodyPr vert="horz" lIns="91440" tIns="45720" rIns="91440" bIns="45720" rtlCol="0" anchor="b"/>
+          <a:lstStyle>
+            <a:lvl1pPr algn="l">
+              <a:defRPr sz="1200"/>
+            </a:lvl1pPr>
+          </a:lstStyle>
+          <a:p>
+            <a:endParaRPr lang="en-US"/>
+          </a:p>
+        </p:txBody>
+      </p:sp>
+      <p:sp>
+        <p:nvSpPr>
+          <p:cNvPr id="7" name="Slide Number Placeholder 6"/>
+          <p:cNvSpPr>
+            <a:spLocks noGrp="1"/>
+          </p:cNvSpPr>
+          <p:nvPr>
+            <p:ph type="sldNum" sz="quarter" idx="5"/>
+          </p:nvPr>
+        </p:nvSpPr>
+        <p:spPr>
+          <a:xfrm>
+            <a:off x="3884613" y="8685213"/>
+            <a:ext cx="2971800" cy="458787"/>
+          </a:xfrm>
+          <a:prstGeom prst="rect">
+            <a:avLst/>
+          </a:prstGeom>
+        </p:spPr>
+        <p:txBody>
+          <a:bodyPr vert="horz" lIns="91440" tIns="45720" rIns="91440" bIns="45720" rtlCol="0" anchor="b"/>
+          <a:lstStyle>
+            <a:lvl1pPr algn="r">
+              <a:defRPr sz="1200"/>
+            </a:lvl1pPr>
+          </a:lstStyle>
+          <a:p>
+            <a:fld id="{F1485F7D-F58D-4255-BEB4-DEDE7B545D19}" type="slidenum">
+              <a:rPr lang="en-US" smtClean="0"/>
+              <a:t>‹#›</a:t>
+            </a:fld>
+            <a:endParaRPr lang="en-US"/>
+          </a:p>
+        </p:txBody>
+      </p:sp>
+    </p:spTree>
+    <p:extLst>
+      <p:ext uri="{BB962C8B-B14F-4D97-AF65-F5344CB8AC3E}">
+        <p14:creationId xmlns:p14="http://schemas.microsoft.com/office/powerpoint/2010/main" val="3925030048"/>
+      </p:ext>
+    </p:extLst>
+  </p:cSld>
+  <p:clrMap bg1="lt1" tx1="dk1" bg2="lt2" tx2="dk2" accent1="accent1" accent2="accent2" accent3="accent3" accent4="accent4" accent5="accent5" accent6="accent6" hlink="hlink" folHlink="folHlink"/>
+  <p:notesStyle>
+    <a:lvl1pPr marL="0" algn="l" defTabSz="914400" rtl="0" eaLnBrk="1" latinLnBrk="0" hangingPunct="1">
+      <a:defRPr sz="1200" kern="1200">
+        <a:solidFill>
+          <a:schemeClr val="tx1"/>
+        </a:solidFill>
+        <a:latin typeface="+mn-lt"/>
+        <a:ea typeface="+mn-ea"/>
+        <a:cs typeface="+mn-cs"/>
+      </a:defRPr>
+    </a:lvl1pPr>
+    <a:lvl2pPr marL="457200" algn="l" defTabSz="914400" rtl="0" eaLnBrk="1" latinLnBrk="0" hangingPunct="1">
+      <a:defRPr sz="1200" kern="1200">
+        <a:solidFill>
+          <a:schemeClr val="tx1"/>
+        </a:solidFill>
+        <a:latin typeface="+mn-lt"/>
+        <a:ea typeface="+mn-ea"/>
+        <a:cs typeface="+mn-cs"/>
+      </a:defRPr>
+    </a:lvl2pPr>
+    <a:lvl3pPr marL="914400" algn="l" defTabSz="914400" rtl="0" eaLnBrk="1" latinLnBrk="0" hangingPunct="1">
+      <a:defRPr sz="1200" kern="1200">
+        <a:solidFill>
+          <a:schemeClr val="tx1"/>
+        </a:solidFill>
+        <a:latin typeface="+mn-lt"/>
+        <a:ea typeface="+mn-ea"/>
+        <a:cs typeface="+mn-cs"/>
+      </a:defRPr>
+    </a:lvl3pPr>
+    <a:lvl4pPr marL="1371600" algn="l" defTabSz="914400" rtl="0" eaLnBrk="1" latinLnBrk="0" hangingPunct="1">
+      <a:defRPr sz="1200" kern="1200">
+        <a:solidFill>
+          <a:schemeClr val="tx1"/>
+        </a:solidFill>
+        <a:latin typeface="+mn-lt"/>
+        <a:ea typeface="+mn-ea"/>
+        <a:cs typeface="+mn-cs"/>
+      </a:defRPr>
+    </a:lvl4pPr>
+    <a:lvl5pPr marL="1828800" algn="l" defTabSz="914400" rtl="0" eaLnBrk="1" latinLnBrk="0" hangingPunct="1">
+      <a:defRPr sz="1200" kern="1200">
+        <a:solidFill>
+          <a:schemeClr val="tx1"/>
+        </a:solidFill>
+        <a:latin typeface="+mn-lt"/>
+        <a:ea typeface="+mn-ea"/>
+        <a:cs typeface="+mn-cs"/>
+      </a:defRPr>
+    </a:lvl5pPr>
+    <a:lvl6pPr marL="2286000" algn="l" defTabSz="914400" rtl="0" eaLnBrk="1" latinLnBrk="0" hangingPunct="1">
+      <a:defRPr sz="1200" kern="1200">
+        <a:solidFill>
+          <a:schemeClr val="tx1"/>
+        </a:solidFill>
+        <a:latin typeface="+mn-lt"/>
+        <a:ea typeface="+mn-ea"/>
+        <a:cs typeface="+mn-cs"/>
+      </a:defRPr>
+    </a:lvl6pPr>
+    <a:lvl7pPr marL="2743200" algn="l" defTabSz="914400" rtl="0" eaLnBrk="1" latinLnBrk="0" hangingPunct="1">
+      <a:defRPr sz="1200" kern="1200">
+        <a:solidFill>
+          <a:schemeClr val="tx1"/>
+        </a:solidFill>
+        <a:latin typeface="+mn-lt"/>
+        <a:ea typeface="+mn-ea"/>
+        <a:cs typeface="+mn-cs"/>
+      </a:defRPr>
+    </a:lvl7pPr>
+    <a:lvl8pPr marL="3200400" algn="l" defTabSz="914400" rtl="0" eaLnBrk="1" latinLnBrk="0" hangingPunct="1">
+      <a:defRPr sz="1200" kern="1200">
+        <a:solidFill>
+          <a:schemeClr val="tx1"/>
+        </a:solidFill>
+        <a:latin typeface="+mn-lt"/>
+        <a:ea typeface="+mn-ea"/>
+        <a:cs typeface="+mn-cs"/>
+      </a:defRPr>
+    </a:lvl8pPr>
+    <a:lvl9pPr marL="3657600" algn="l" defTabSz="914400" rtl="0" eaLnBrk="1" latinLnBrk="0" hangingPunct="1">
+      <a:defRPr sz="1200" kern="1200">
+        <a:solidFill>
+          <a:schemeClr val="tx1"/>
+        </a:solidFill>
+        <a:latin typeface="+mn-lt"/>
+        <a:ea typeface="+mn-ea"/>
+        <a:cs typeface="+mn-cs"/>
+      </a:defRPr>
+    </a:lvl9pPr>
+  </p:notesStyle>
+</p:notesMaster>
+</file>
+
 <file path=ppt/slideLayouts/slideLayout1.xml><?xml version="1.0" encoding="utf-8"?>
 <p:sldLayout xmlns:a="http://schemas.openxmlformats.org/drawingml/2006/main" xmlns:r="http://schemas.openxmlformats.org/officeDocument/2006/relationships" xmlns:p="http://schemas.openxmlformats.org/presentationml/2006/main" type="title" preserve="1">
   <p:cSld name="Title Slide">
@@ -141,15 +493,15 @@
         </p:nvSpPr>
         <p:spPr>
           <a:xfrm>
-            <a:off x="754380" y="1122363"/>
-            <a:ext cx="8549640" cy="2387600"/>
+            <a:off x="1257300" y="927768"/>
+            <a:ext cx="7543800" cy="1973639"/>
           </a:xfrm>
         </p:spPr>
         <p:txBody>
           <a:bodyPr anchor="b"/>
           <a:lstStyle>
             <a:lvl1pPr algn="ctr">
-              <a:defRPr sz="6000"/>
+              <a:defRPr sz="4950"/>
             </a:lvl1pPr>
           </a:lstStyle>
           <a:p>
@@ -173,8 +525,8 @@
         </p:nvSpPr>
         <p:spPr>
           <a:xfrm>
-            <a:off x="1257300" y="3602038"/>
-            <a:ext cx="7543800" cy="1655762"/>
+            <a:off x="1257300" y="2977518"/>
+            <a:ext cx="7543800" cy="1368687"/>
           </a:xfrm>
         </p:spPr>
         <p:txBody>
@@ -182,39 +534,39 @@
           <a:lstStyle>
             <a:lvl1pPr marL="0" indent="0" algn="ctr">
               <a:buNone/>
-              <a:defRPr sz="2400"/>
+              <a:defRPr sz="1980"/>
             </a:lvl1pPr>
-            <a:lvl2pPr marL="457200" indent="0" algn="ctr">
-              <a:buNone/>
-              <a:defRPr sz="2000"/>
+            <a:lvl2pPr marL="377190" indent="0" algn="ctr">
+              <a:buNone/>
+              <a:defRPr sz="1650"/>
             </a:lvl2pPr>
-            <a:lvl3pPr marL="914400" indent="0" algn="ctr">
-              <a:buNone/>
-              <a:defRPr sz="1800"/>
+            <a:lvl3pPr marL="754380" indent="0" algn="ctr">
+              <a:buNone/>
+              <a:defRPr sz="1485"/>
             </a:lvl3pPr>
-            <a:lvl4pPr marL="1371600" indent="0" algn="ctr">
-              <a:buNone/>
-              <a:defRPr sz="1600"/>
+            <a:lvl4pPr marL="1131570" indent="0" algn="ctr">
+              <a:buNone/>
+              <a:defRPr sz="1320"/>
             </a:lvl4pPr>
-            <a:lvl5pPr marL="1828800" indent="0" algn="ctr">
-              <a:buNone/>
-              <a:defRPr sz="1600"/>
+            <a:lvl5pPr marL="1508760" indent="0" algn="ctr">
+              <a:buNone/>
+              <a:defRPr sz="1320"/>
             </a:lvl5pPr>
-            <a:lvl6pPr marL="2286000" indent="0" algn="ctr">
-              <a:buNone/>
-              <a:defRPr sz="1600"/>
+            <a:lvl6pPr marL="1885950" indent="0" algn="ctr">
+              <a:buNone/>
+              <a:defRPr sz="1320"/>
             </a:lvl6pPr>
-            <a:lvl7pPr marL="2743200" indent="0" algn="ctr">
-              <a:buNone/>
-              <a:defRPr sz="1600"/>
+            <a:lvl7pPr marL="2263140" indent="0" algn="ctr">
+              <a:buNone/>
+              <a:defRPr sz="1320"/>
             </a:lvl7pPr>
-            <a:lvl8pPr marL="3200400" indent="0" algn="ctr">
-              <a:buNone/>
-              <a:defRPr sz="1600"/>
+            <a:lvl8pPr marL="2640330" indent="0" algn="ctr">
+              <a:buNone/>
+              <a:defRPr sz="1320"/>
             </a:lvl8pPr>
-            <a:lvl9pPr marL="3657600" indent="0" algn="ctr">
-              <a:buNone/>
-              <a:defRPr sz="1600"/>
+            <a:lvl9pPr marL="3017520" indent="0" algn="ctr">
+              <a:buNone/>
+              <a:defRPr sz="1320"/>
             </a:lvl9pPr>
           </a:lstStyle>
           <a:p>
@@ -243,7 +595,7 @@
           <a:p>
             <a:fld id="{7605E09F-1329-4994-8266-187CDE3C8E3F}" type="datetimeFigureOut">
               <a:rPr lang="en-US" smtClean="0"/>
-              <a:t>8/12/2022</a:t>
+              <a:t>8/18/2022</a:t>
             </a:fld>
             <a:endParaRPr lang="en-US"/>
           </a:p>
@@ -294,7 +646,7 @@
     </p:spTree>
     <p:extLst>
       <p:ext uri="{BB962C8B-B14F-4D97-AF65-F5344CB8AC3E}">
-        <p14:creationId xmlns:p14="http://schemas.microsoft.com/office/powerpoint/2010/main" val="1813468433"/>
+        <p14:creationId xmlns:p14="http://schemas.microsoft.com/office/powerpoint/2010/main" val="2922658907"/>
       </p:ext>
     </p:extLst>
   </p:cSld>
@@ -413,7 +765,7 @@
           <a:p>
             <a:fld id="{7605E09F-1329-4994-8266-187CDE3C8E3F}" type="datetimeFigureOut">
               <a:rPr lang="en-US" smtClean="0"/>
-              <a:t>8/12/2022</a:t>
+              <a:t>8/18/2022</a:t>
             </a:fld>
             <a:endParaRPr lang="en-US"/>
           </a:p>
@@ -464,7 +816,7 @@
     </p:spTree>
     <p:extLst>
       <p:ext uri="{BB962C8B-B14F-4D97-AF65-F5344CB8AC3E}">
-        <p14:creationId xmlns:p14="http://schemas.microsoft.com/office/powerpoint/2010/main" val="89484326"/>
+        <p14:creationId xmlns:p14="http://schemas.microsoft.com/office/powerpoint/2010/main" val="3200542264"/>
       </p:ext>
     </p:extLst>
   </p:cSld>
@@ -503,8 +855,8 @@
         </p:nvSpPr>
         <p:spPr>
           <a:xfrm>
-            <a:off x="7198043" y="365125"/>
-            <a:ext cx="2168843" cy="5811838"/>
+            <a:off x="7198042" y="301820"/>
+            <a:ext cx="2168843" cy="4804184"/>
           </a:xfrm>
         </p:spPr>
         <p:txBody>
@@ -531,8 +883,8 @@
         </p:nvSpPr>
         <p:spPr>
           <a:xfrm>
-            <a:off x="691515" y="365125"/>
-            <a:ext cx="6380798" cy="5811838"/>
+            <a:off x="691515" y="301820"/>
+            <a:ext cx="6380798" cy="4804184"/>
           </a:xfrm>
         </p:spPr>
         <p:txBody>
@@ -593,7 +945,7 @@
           <a:p>
             <a:fld id="{7605E09F-1329-4994-8266-187CDE3C8E3F}" type="datetimeFigureOut">
               <a:rPr lang="en-US" smtClean="0"/>
-              <a:t>8/12/2022</a:t>
+              <a:t>8/18/2022</a:t>
             </a:fld>
             <a:endParaRPr lang="en-US"/>
           </a:p>
@@ -644,7 +996,7 @@
     </p:spTree>
     <p:extLst>
       <p:ext uri="{BB962C8B-B14F-4D97-AF65-F5344CB8AC3E}">
-        <p14:creationId xmlns:p14="http://schemas.microsoft.com/office/powerpoint/2010/main" val="467490833"/>
+        <p14:creationId xmlns:p14="http://schemas.microsoft.com/office/powerpoint/2010/main" val="3175979305"/>
       </p:ext>
     </p:extLst>
   </p:cSld>
@@ -763,7 +1115,7 @@
           <a:p>
             <a:fld id="{7605E09F-1329-4994-8266-187CDE3C8E3F}" type="datetimeFigureOut">
               <a:rPr lang="en-US" smtClean="0"/>
-              <a:t>8/12/2022</a:t>
+              <a:t>8/18/2022</a:t>
             </a:fld>
             <a:endParaRPr lang="en-US"/>
           </a:p>
@@ -814,7 +1166,7 @@
     </p:spTree>
     <p:extLst>
       <p:ext uri="{BB962C8B-B14F-4D97-AF65-F5344CB8AC3E}">
-        <p14:creationId xmlns:p14="http://schemas.microsoft.com/office/powerpoint/2010/main" val="741648771"/>
+        <p14:creationId xmlns:p14="http://schemas.microsoft.com/office/powerpoint/2010/main" val="599719913"/>
       </p:ext>
     </p:extLst>
   </p:cSld>
@@ -853,15 +1205,15 @@
         </p:nvSpPr>
         <p:spPr>
           <a:xfrm>
-            <a:off x="686277" y="1709740"/>
-            <a:ext cx="8675370" cy="2852737"/>
+            <a:off x="686276" y="1413305"/>
+            <a:ext cx="8675370" cy="2358131"/>
           </a:xfrm>
         </p:spPr>
         <p:txBody>
           <a:bodyPr anchor="b"/>
           <a:lstStyle>
             <a:lvl1pPr>
-              <a:defRPr sz="6000"/>
+              <a:defRPr sz="4950"/>
             </a:lvl1pPr>
           </a:lstStyle>
           <a:p>
@@ -885,8 +1237,8 @@
         </p:nvSpPr>
         <p:spPr>
           <a:xfrm>
-            <a:off x="686277" y="4589465"/>
-            <a:ext cx="8675370" cy="1500187"/>
+            <a:off x="686276" y="3793744"/>
+            <a:ext cx="8675370" cy="1240085"/>
           </a:xfrm>
         </p:spPr>
         <p:txBody>
@@ -894,15 +1246,17 @@
           <a:lstStyle>
             <a:lvl1pPr marL="0" indent="0">
               <a:buNone/>
-              <a:defRPr sz="2400">
+              <a:defRPr sz="1980">
                 <a:solidFill>
-                  <a:schemeClr val="tx1"/>
+                  <a:schemeClr val="tx1">
+                    <a:tint val="75000"/>
+                  </a:schemeClr>
                 </a:solidFill>
               </a:defRPr>
             </a:lvl1pPr>
-            <a:lvl2pPr marL="457200" indent="0">
-              <a:buNone/>
-              <a:defRPr sz="2000">
+            <a:lvl2pPr marL="377190" indent="0">
+              <a:buNone/>
+              <a:defRPr sz="1650">
                 <a:solidFill>
                   <a:schemeClr val="tx1">
                     <a:tint val="75000"/>
@@ -910,9 +1264,9 @@
                 </a:solidFill>
               </a:defRPr>
             </a:lvl2pPr>
-            <a:lvl3pPr marL="914400" indent="0">
-              <a:buNone/>
-              <a:defRPr sz="1800">
+            <a:lvl3pPr marL="754380" indent="0">
+              <a:buNone/>
+              <a:defRPr sz="1485">
                 <a:solidFill>
                   <a:schemeClr val="tx1">
                     <a:tint val="75000"/>
@@ -920,9 +1274,9 @@
                 </a:solidFill>
               </a:defRPr>
             </a:lvl3pPr>
-            <a:lvl4pPr marL="1371600" indent="0">
-              <a:buNone/>
-              <a:defRPr sz="1600">
+            <a:lvl4pPr marL="1131570" indent="0">
+              <a:buNone/>
+              <a:defRPr sz="1320">
                 <a:solidFill>
                   <a:schemeClr val="tx1">
                     <a:tint val="75000"/>
@@ -930,9 +1284,9 @@
                 </a:solidFill>
               </a:defRPr>
             </a:lvl4pPr>
-            <a:lvl5pPr marL="1828800" indent="0">
-              <a:buNone/>
-              <a:defRPr sz="1600">
+            <a:lvl5pPr marL="1508760" indent="0">
+              <a:buNone/>
+              <a:defRPr sz="1320">
                 <a:solidFill>
                   <a:schemeClr val="tx1">
                     <a:tint val="75000"/>
@@ -940,9 +1294,9 @@
                 </a:solidFill>
               </a:defRPr>
             </a:lvl5pPr>
-            <a:lvl6pPr marL="2286000" indent="0">
-              <a:buNone/>
-              <a:defRPr sz="1600">
+            <a:lvl6pPr marL="1885950" indent="0">
+              <a:buNone/>
+              <a:defRPr sz="1320">
                 <a:solidFill>
                   <a:schemeClr val="tx1">
                     <a:tint val="75000"/>
@@ -950,9 +1304,9 @@
                 </a:solidFill>
               </a:defRPr>
             </a:lvl6pPr>
-            <a:lvl7pPr marL="2743200" indent="0">
-              <a:buNone/>
-              <a:defRPr sz="1600">
+            <a:lvl7pPr marL="2263140" indent="0">
+              <a:buNone/>
+              <a:defRPr sz="1320">
                 <a:solidFill>
                   <a:schemeClr val="tx1">
                     <a:tint val="75000"/>
@@ -960,9 +1314,9 @@
                 </a:solidFill>
               </a:defRPr>
             </a:lvl7pPr>
-            <a:lvl8pPr marL="3200400" indent="0">
-              <a:buNone/>
-              <a:defRPr sz="1600">
+            <a:lvl8pPr marL="2640330" indent="0">
+              <a:buNone/>
+              <a:defRPr sz="1320">
                 <a:solidFill>
                   <a:schemeClr val="tx1">
                     <a:tint val="75000"/>
@@ -970,9 +1324,9 @@
                 </a:solidFill>
               </a:defRPr>
             </a:lvl8pPr>
-            <a:lvl9pPr marL="3657600" indent="0">
-              <a:buNone/>
-              <a:defRPr sz="1600">
+            <a:lvl9pPr marL="3017520" indent="0">
+              <a:buNone/>
+              <a:defRPr sz="1320">
                 <a:solidFill>
                   <a:schemeClr val="tx1">
                     <a:tint val="75000"/>
@@ -1007,7 +1361,7 @@
           <a:p>
             <a:fld id="{7605E09F-1329-4994-8266-187CDE3C8E3F}" type="datetimeFigureOut">
               <a:rPr lang="en-US" smtClean="0"/>
-              <a:t>8/12/2022</a:t>
+              <a:t>8/18/2022</a:t>
             </a:fld>
             <a:endParaRPr lang="en-US"/>
           </a:p>
@@ -1058,7 +1412,7 @@
     </p:spTree>
     <p:extLst>
       <p:ext uri="{BB962C8B-B14F-4D97-AF65-F5344CB8AC3E}">
-        <p14:creationId xmlns:p14="http://schemas.microsoft.com/office/powerpoint/2010/main" val="4167272099"/>
+        <p14:creationId xmlns:p14="http://schemas.microsoft.com/office/powerpoint/2010/main" val="1270907875"/>
       </p:ext>
     </p:extLst>
   </p:cSld>
@@ -1120,8 +1474,8 @@
         </p:nvSpPr>
         <p:spPr>
           <a:xfrm>
-            <a:off x="691515" y="1825625"/>
-            <a:ext cx="4274820" cy="4351338"/>
+            <a:off x="691515" y="1509099"/>
+            <a:ext cx="4274820" cy="3596905"/>
           </a:xfrm>
         </p:spPr>
         <p:txBody>
@@ -1177,8 +1531,8 @@
         </p:nvSpPr>
         <p:spPr>
           <a:xfrm>
-            <a:off x="5092065" y="1825625"/>
-            <a:ext cx="4274820" cy="4351338"/>
+            <a:off x="5092065" y="1509099"/>
+            <a:ext cx="4274820" cy="3596905"/>
           </a:xfrm>
         </p:spPr>
         <p:txBody>
@@ -1239,7 +1593,7 @@
           <a:p>
             <a:fld id="{7605E09F-1329-4994-8266-187CDE3C8E3F}" type="datetimeFigureOut">
               <a:rPr lang="en-US" smtClean="0"/>
-              <a:t>8/12/2022</a:t>
+              <a:t>8/18/2022</a:t>
             </a:fld>
             <a:endParaRPr lang="en-US"/>
           </a:p>
@@ -1290,7 +1644,7 @@
     </p:spTree>
     <p:extLst>
       <p:ext uri="{BB962C8B-B14F-4D97-AF65-F5344CB8AC3E}">
-        <p14:creationId xmlns:p14="http://schemas.microsoft.com/office/powerpoint/2010/main" val="1319405253"/>
+        <p14:creationId xmlns:p14="http://schemas.microsoft.com/office/powerpoint/2010/main" val="339044370"/>
       </p:ext>
     </p:extLst>
   </p:cSld>
@@ -1329,8 +1683,8 @@
         </p:nvSpPr>
         <p:spPr>
           <a:xfrm>
-            <a:off x="692825" y="365127"/>
-            <a:ext cx="8675370" cy="1325563"/>
+            <a:off x="692825" y="301820"/>
+            <a:ext cx="8675370" cy="1095737"/>
           </a:xfrm>
         </p:spPr>
         <p:txBody>
@@ -1357,8 +1711,8 @@
         </p:nvSpPr>
         <p:spPr>
           <a:xfrm>
-            <a:off x="692826" y="1681163"/>
-            <a:ext cx="4255174" cy="823912"/>
+            <a:off x="692826" y="1389683"/>
+            <a:ext cx="4255174" cy="681063"/>
           </a:xfrm>
         </p:spPr>
         <p:txBody>
@@ -1366,39 +1720,39 @@
           <a:lstStyle>
             <a:lvl1pPr marL="0" indent="0">
               <a:buNone/>
-              <a:defRPr sz="2400" b="1"/>
+              <a:defRPr sz="1980" b="1"/>
             </a:lvl1pPr>
-            <a:lvl2pPr marL="457200" indent="0">
-              <a:buNone/>
-              <a:defRPr sz="2000" b="1"/>
+            <a:lvl2pPr marL="377190" indent="0">
+              <a:buNone/>
+              <a:defRPr sz="1650" b="1"/>
             </a:lvl2pPr>
-            <a:lvl3pPr marL="914400" indent="0">
-              <a:buNone/>
-              <a:defRPr sz="1800" b="1"/>
+            <a:lvl3pPr marL="754380" indent="0">
+              <a:buNone/>
+              <a:defRPr sz="1485" b="1"/>
             </a:lvl3pPr>
-            <a:lvl4pPr marL="1371600" indent="0">
-              <a:buNone/>
-              <a:defRPr sz="1600" b="1"/>
+            <a:lvl4pPr marL="1131570" indent="0">
+              <a:buNone/>
+              <a:defRPr sz="1320" b="1"/>
             </a:lvl4pPr>
-            <a:lvl5pPr marL="1828800" indent="0">
-              <a:buNone/>
-              <a:defRPr sz="1600" b="1"/>
+            <a:lvl5pPr marL="1508760" indent="0">
+              <a:buNone/>
+              <a:defRPr sz="1320" b="1"/>
             </a:lvl5pPr>
-            <a:lvl6pPr marL="2286000" indent="0">
-              <a:buNone/>
-              <a:defRPr sz="1600" b="1"/>
+            <a:lvl6pPr marL="1885950" indent="0">
+              <a:buNone/>
+              <a:defRPr sz="1320" b="1"/>
             </a:lvl6pPr>
-            <a:lvl7pPr marL="2743200" indent="0">
-              <a:buNone/>
-              <a:defRPr sz="1600" b="1"/>
+            <a:lvl7pPr marL="2263140" indent="0">
+              <a:buNone/>
+              <a:defRPr sz="1320" b="1"/>
             </a:lvl7pPr>
-            <a:lvl8pPr marL="3200400" indent="0">
-              <a:buNone/>
-              <a:defRPr sz="1600" b="1"/>
+            <a:lvl8pPr marL="2640330" indent="0">
+              <a:buNone/>
+              <a:defRPr sz="1320" b="1"/>
             </a:lvl8pPr>
-            <a:lvl9pPr marL="3657600" indent="0">
-              <a:buNone/>
-              <a:defRPr sz="1600" b="1"/>
+            <a:lvl9pPr marL="3017520" indent="0">
+              <a:buNone/>
+              <a:defRPr sz="1320" b="1"/>
             </a:lvl9pPr>
           </a:lstStyle>
           <a:p>
@@ -1422,8 +1776,8 @@
         </p:nvSpPr>
         <p:spPr>
           <a:xfrm>
-            <a:off x="692826" y="2505075"/>
-            <a:ext cx="4255174" cy="3684588"/>
+            <a:off x="692826" y="2070746"/>
+            <a:ext cx="4255174" cy="3045756"/>
           </a:xfrm>
         </p:spPr>
         <p:txBody>
@@ -1479,8 +1833,8 @@
         </p:nvSpPr>
         <p:spPr>
           <a:xfrm>
-            <a:off x="5092066" y="1681163"/>
-            <a:ext cx="4276130" cy="823912"/>
+            <a:off x="5092065" y="1389683"/>
+            <a:ext cx="4276130" cy="681063"/>
           </a:xfrm>
         </p:spPr>
         <p:txBody>
@@ -1488,39 +1842,39 @@
           <a:lstStyle>
             <a:lvl1pPr marL="0" indent="0">
               <a:buNone/>
-              <a:defRPr sz="2400" b="1"/>
+              <a:defRPr sz="1980" b="1"/>
             </a:lvl1pPr>
-            <a:lvl2pPr marL="457200" indent="0">
-              <a:buNone/>
-              <a:defRPr sz="2000" b="1"/>
+            <a:lvl2pPr marL="377190" indent="0">
+              <a:buNone/>
+              <a:defRPr sz="1650" b="1"/>
             </a:lvl2pPr>
-            <a:lvl3pPr marL="914400" indent="0">
-              <a:buNone/>
-              <a:defRPr sz="1800" b="1"/>
+            <a:lvl3pPr marL="754380" indent="0">
+              <a:buNone/>
+              <a:defRPr sz="1485" b="1"/>
             </a:lvl3pPr>
-            <a:lvl4pPr marL="1371600" indent="0">
-              <a:buNone/>
-              <a:defRPr sz="1600" b="1"/>
+            <a:lvl4pPr marL="1131570" indent="0">
+              <a:buNone/>
+              <a:defRPr sz="1320" b="1"/>
             </a:lvl4pPr>
-            <a:lvl5pPr marL="1828800" indent="0">
-              <a:buNone/>
-              <a:defRPr sz="1600" b="1"/>
+            <a:lvl5pPr marL="1508760" indent="0">
+              <a:buNone/>
+              <a:defRPr sz="1320" b="1"/>
             </a:lvl5pPr>
-            <a:lvl6pPr marL="2286000" indent="0">
-              <a:buNone/>
-              <a:defRPr sz="1600" b="1"/>
+            <a:lvl6pPr marL="1885950" indent="0">
+              <a:buNone/>
+              <a:defRPr sz="1320" b="1"/>
             </a:lvl6pPr>
-            <a:lvl7pPr marL="2743200" indent="0">
-              <a:buNone/>
-              <a:defRPr sz="1600" b="1"/>
+            <a:lvl7pPr marL="2263140" indent="0">
+              <a:buNone/>
+              <a:defRPr sz="1320" b="1"/>
             </a:lvl7pPr>
-            <a:lvl8pPr marL="3200400" indent="0">
-              <a:buNone/>
-              <a:defRPr sz="1600" b="1"/>
+            <a:lvl8pPr marL="2640330" indent="0">
+              <a:buNone/>
+              <a:defRPr sz="1320" b="1"/>
             </a:lvl8pPr>
-            <a:lvl9pPr marL="3657600" indent="0">
-              <a:buNone/>
-              <a:defRPr sz="1600" b="1"/>
+            <a:lvl9pPr marL="3017520" indent="0">
+              <a:buNone/>
+              <a:defRPr sz="1320" b="1"/>
             </a:lvl9pPr>
           </a:lstStyle>
           <a:p>
@@ -1544,8 +1898,8 @@
         </p:nvSpPr>
         <p:spPr>
           <a:xfrm>
-            <a:off x="5092066" y="2505075"/>
-            <a:ext cx="4276130" cy="3684588"/>
+            <a:off x="5092065" y="2070746"/>
+            <a:ext cx="4276130" cy="3045756"/>
           </a:xfrm>
         </p:spPr>
         <p:txBody>
@@ -1606,7 +1960,7 @@
           <a:p>
             <a:fld id="{7605E09F-1329-4994-8266-187CDE3C8E3F}" type="datetimeFigureOut">
               <a:rPr lang="en-US" smtClean="0"/>
-              <a:t>8/12/2022</a:t>
+              <a:t>8/18/2022</a:t>
             </a:fld>
             <a:endParaRPr lang="en-US"/>
           </a:p>
@@ -1657,7 +2011,7 @@
     </p:spTree>
     <p:extLst>
       <p:ext uri="{BB962C8B-B14F-4D97-AF65-F5344CB8AC3E}">
-        <p14:creationId xmlns:p14="http://schemas.microsoft.com/office/powerpoint/2010/main" val="456284274"/>
+        <p14:creationId xmlns:p14="http://schemas.microsoft.com/office/powerpoint/2010/main" val="2381060782"/>
       </p:ext>
     </p:extLst>
   </p:cSld>
@@ -1724,7 +2078,7 @@
           <a:p>
             <a:fld id="{7605E09F-1329-4994-8266-187CDE3C8E3F}" type="datetimeFigureOut">
               <a:rPr lang="en-US" smtClean="0"/>
-              <a:t>8/12/2022</a:t>
+              <a:t>8/18/2022</a:t>
             </a:fld>
             <a:endParaRPr lang="en-US"/>
           </a:p>
@@ -1775,7 +2129,7 @@
     </p:spTree>
     <p:extLst>
       <p:ext uri="{BB962C8B-B14F-4D97-AF65-F5344CB8AC3E}">
-        <p14:creationId xmlns:p14="http://schemas.microsoft.com/office/powerpoint/2010/main" val="543694820"/>
+        <p14:creationId xmlns:p14="http://schemas.microsoft.com/office/powerpoint/2010/main" val="502332265"/>
       </p:ext>
     </p:extLst>
   </p:cSld>
@@ -1819,7 +2173,7 @@
           <a:p>
             <a:fld id="{7605E09F-1329-4994-8266-187CDE3C8E3F}" type="datetimeFigureOut">
               <a:rPr lang="en-US" smtClean="0"/>
-              <a:t>8/12/2022</a:t>
+              <a:t>8/18/2022</a:t>
             </a:fld>
             <a:endParaRPr lang="en-US"/>
           </a:p>
@@ -1870,7 +2224,7 @@
     </p:spTree>
     <p:extLst>
       <p:ext uri="{BB962C8B-B14F-4D97-AF65-F5344CB8AC3E}">
-        <p14:creationId xmlns:p14="http://schemas.microsoft.com/office/powerpoint/2010/main" val="4126999300"/>
+        <p14:creationId xmlns:p14="http://schemas.microsoft.com/office/powerpoint/2010/main" val="586016443"/>
       </p:ext>
     </p:extLst>
   </p:cSld>
@@ -1909,15 +2263,15 @@
         </p:nvSpPr>
         <p:spPr>
           <a:xfrm>
-            <a:off x="692825" y="457200"/>
-            <a:ext cx="3244096" cy="1600200"/>
+            <a:off x="692825" y="377931"/>
+            <a:ext cx="3244096" cy="1322758"/>
           </a:xfrm>
         </p:spPr>
         <p:txBody>
           <a:bodyPr anchor="b"/>
           <a:lstStyle>
             <a:lvl1pPr>
-              <a:defRPr sz="3200"/>
+              <a:defRPr sz="2640"/>
             </a:lvl1pPr>
           </a:lstStyle>
           <a:p>
@@ -1941,39 +2295,39 @@
         </p:nvSpPr>
         <p:spPr>
           <a:xfrm>
-            <a:off x="4276130" y="987427"/>
-            <a:ext cx="5092065" cy="4873625"/>
+            <a:off x="4276130" y="816226"/>
+            <a:ext cx="5092065" cy="4028638"/>
           </a:xfrm>
         </p:spPr>
         <p:txBody>
           <a:bodyPr/>
           <a:lstStyle>
             <a:lvl1pPr>
-              <a:defRPr sz="3200"/>
+              <a:defRPr sz="2640"/>
             </a:lvl1pPr>
             <a:lvl2pPr>
-              <a:defRPr sz="2800"/>
+              <a:defRPr sz="2310"/>
             </a:lvl2pPr>
             <a:lvl3pPr>
-              <a:defRPr sz="2400"/>
+              <a:defRPr sz="1980"/>
             </a:lvl3pPr>
             <a:lvl4pPr>
-              <a:defRPr sz="2000"/>
+              <a:defRPr sz="1650"/>
             </a:lvl4pPr>
             <a:lvl5pPr>
-              <a:defRPr sz="2000"/>
+              <a:defRPr sz="1650"/>
             </a:lvl5pPr>
             <a:lvl6pPr>
-              <a:defRPr sz="2000"/>
+              <a:defRPr sz="1650"/>
             </a:lvl6pPr>
             <a:lvl7pPr>
-              <a:defRPr sz="2000"/>
+              <a:defRPr sz="1650"/>
             </a:lvl7pPr>
             <a:lvl8pPr>
-              <a:defRPr sz="2000"/>
+              <a:defRPr sz="1650"/>
             </a:lvl8pPr>
             <a:lvl9pPr>
-              <a:defRPr sz="2000"/>
+              <a:defRPr sz="1650"/>
             </a:lvl9pPr>
           </a:lstStyle>
           <a:p>
@@ -2026,8 +2380,8 @@
         </p:nvSpPr>
         <p:spPr>
           <a:xfrm>
-            <a:off x="692825" y="2057400"/>
-            <a:ext cx="3244096" cy="3811588"/>
+            <a:off x="692825" y="1700689"/>
+            <a:ext cx="3244096" cy="3150737"/>
           </a:xfrm>
         </p:spPr>
         <p:txBody>
@@ -2035,39 +2389,39 @@
           <a:lstStyle>
             <a:lvl1pPr marL="0" indent="0">
               <a:buNone/>
-              <a:defRPr sz="1600"/>
+              <a:defRPr sz="1320"/>
             </a:lvl1pPr>
-            <a:lvl2pPr marL="457200" indent="0">
-              <a:buNone/>
-              <a:defRPr sz="1400"/>
+            <a:lvl2pPr marL="377190" indent="0">
+              <a:buNone/>
+              <a:defRPr sz="1155"/>
             </a:lvl2pPr>
-            <a:lvl3pPr marL="914400" indent="0">
-              <a:buNone/>
-              <a:defRPr sz="1200"/>
+            <a:lvl3pPr marL="754380" indent="0">
+              <a:buNone/>
+              <a:defRPr sz="990"/>
             </a:lvl3pPr>
-            <a:lvl4pPr marL="1371600" indent="0">
-              <a:buNone/>
-              <a:defRPr sz="1000"/>
+            <a:lvl4pPr marL="1131570" indent="0">
+              <a:buNone/>
+              <a:defRPr sz="825"/>
             </a:lvl4pPr>
-            <a:lvl5pPr marL="1828800" indent="0">
-              <a:buNone/>
-              <a:defRPr sz="1000"/>
+            <a:lvl5pPr marL="1508760" indent="0">
+              <a:buNone/>
+              <a:defRPr sz="825"/>
             </a:lvl5pPr>
-            <a:lvl6pPr marL="2286000" indent="0">
-              <a:buNone/>
-              <a:defRPr sz="1000"/>
+            <a:lvl6pPr marL="1885950" indent="0">
+              <a:buNone/>
+              <a:defRPr sz="825"/>
             </a:lvl6pPr>
-            <a:lvl7pPr marL="2743200" indent="0">
-              <a:buNone/>
-              <a:defRPr sz="1000"/>
+            <a:lvl7pPr marL="2263140" indent="0">
+              <a:buNone/>
+              <a:defRPr sz="825"/>
             </a:lvl7pPr>
-            <a:lvl8pPr marL="3200400" indent="0">
-              <a:buNone/>
-              <a:defRPr sz="1000"/>
+            <a:lvl8pPr marL="2640330" indent="0">
+              <a:buNone/>
+              <a:defRPr sz="825"/>
             </a:lvl8pPr>
-            <a:lvl9pPr marL="3657600" indent="0">
-              <a:buNone/>
-              <a:defRPr sz="1000"/>
+            <a:lvl9pPr marL="3017520" indent="0">
+              <a:buNone/>
+              <a:defRPr sz="825"/>
             </a:lvl9pPr>
           </a:lstStyle>
           <a:p>
@@ -2096,7 +2450,7 @@
           <a:p>
             <a:fld id="{7605E09F-1329-4994-8266-187CDE3C8E3F}" type="datetimeFigureOut">
               <a:rPr lang="en-US" smtClean="0"/>
-              <a:t>8/12/2022</a:t>
+              <a:t>8/18/2022</a:t>
             </a:fld>
             <a:endParaRPr lang="en-US"/>
           </a:p>
@@ -2147,7 +2501,7 @@
     </p:spTree>
     <p:extLst>
       <p:ext uri="{BB962C8B-B14F-4D97-AF65-F5344CB8AC3E}">
-        <p14:creationId xmlns:p14="http://schemas.microsoft.com/office/powerpoint/2010/main" val="1844691321"/>
+        <p14:creationId xmlns:p14="http://schemas.microsoft.com/office/powerpoint/2010/main" val="77170427"/>
       </p:ext>
     </p:extLst>
   </p:cSld>
@@ -2186,15 +2540,15 @@
         </p:nvSpPr>
         <p:spPr>
           <a:xfrm>
-            <a:off x="692825" y="457200"/>
-            <a:ext cx="3244096" cy="1600200"/>
+            <a:off x="692825" y="377931"/>
+            <a:ext cx="3244096" cy="1322758"/>
           </a:xfrm>
         </p:spPr>
         <p:txBody>
           <a:bodyPr anchor="b"/>
           <a:lstStyle>
             <a:lvl1pPr>
-              <a:defRPr sz="3200"/>
+              <a:defRPr sz="2640"/>
             </a:lvl1pPr>
           </a:lstStyle>
           <a:p>
@@ -2218,8 +2572,8 @@
         </p:nvSpPr>
         <p:spPr>
           <a:xfrm>
-            <a:off x="4276130" y="987427"/>
-            <a:ext cx="5092065" cy="4873625"/>
+            <a:off x="4276130" y="816226"/>
+            <a:ext cx="5092065" cy="4028638"/>
           </a:xfrm>
         </p:spPr>
         <p:txBody>
@@ -2227,39 +2581,39 @@
           <a:lstStyle>
             <a:lvl1pPr marL="0" indent="0">
               <a:buNone/>
-              <a:defRPr sz="3200"/>
+              <a:defRPr sz="2640"/>
             </a:lvl1pPr>
-            <a:lvl2pPr marL="457200" indent="0">
-              <a:buNone/>
-              <a:defRPr sz="2800"/>
+            <a:lvl2pPr marL="377190" indent="0">
+              <a:buNone/>
+              <a:defRPr sz="2310"/>
             </a:lvl2pPr>
-            <a:lvl3pPr marL="914400" indent="0">
-              <a:buNone/>
-              <a:defRPr sz="2400"/>
+            <a:lvl3pPr marL="754380" indent="0">
+              <a:buNone/>
+              <a:defRPr sz="1980"/>
             </a:lvl3pPr>
-            <a:lvl4pPr marL="1371600" indent="0">
-              <a:buNone/>
-              <a:defRPr sz="2000"/>
+            <a:lvl4pPr marL="1131570" indent="0">
+              <a:buNone/>
+              <a:defRPr sz="1650"/>
             </a:lvl4pPr>
-            <a:lvl5pPr marL="1828800" indent="0">
-              <a:buNone/>
-              <a:defRPr sz="2000"/>
+            <a:lvl5pPr marL="1508760" indent="0">
+              <a:buNone/>
+              <a:defRPr sz="1650"/>
             </a:lvl5pPr>
-            <a:lvl6pPr marL="2286000" indent="0">
-              <a:buNone/>
-              <a:defRPr sz="2000"/>
+            <a:lvl6pPr marL="1885950" indent="0">
+              <a:buNone/>
+              <a:defRPr sz="1650"/>
             </a:lvl6pPr>
-            <a:lvl7pPr marL="2743200" indent="0">
-              <a:buNone/>
-              <a:defRPr sz="2000"/>
+            <a:lvl7pPr marL="2263140" indent="0">
+              <a:buNone/>
+              <a:defRPr sz="1650"/>
             </a:lvl7pPr>
-            <a:lvl8pPr marL="3200400" indent="0">
-              <a:buNone/>
-              <a:defRPr sz="2000"/>
+            <a:lvl8pPr marL="2640330" indent="0">
+              <a:buNone/>
+              <a:defRPr sz="1650"/>
             </a:lvl8pPr>
-            <a:lvl9pPr marL="3657600" indent="0">
-              <a:buNone/>
-              <a:defRPr sz="2000"/>
+            <a:lvl9pPr marL="3017520" indent="0">
+              <a:buNone/>
+              <a:defRPr sz="1650"/>
             </a:lvl9pPr>
           </a:lstStyle>
           <a:p>
@@ -2283,8 +2637,8 @@
         </p:nvSpPr>
         <p:spPr>
           <a:xfrm>
-            <a:off x="692825" y="2057400"/>
-            <a:ext cx="3244096" cy="3811588"/>
+            <a:off x="692825" y="1700689"/>
+            <a:ext cx="3244096" cy="3150737"/>
           </a:xfrm>
         </p:spPr>
         <p:txBody>
@@ -2292,39 +2646,39 @@
           <a:lstStyle>
             <a:lvl1pPr marL="0" indent="0">
               <a:buNone/>
-              <a:defRPr sz="1600"/>
+              <a:defRPr sz="1320"/>
             </a:lvl1pPr>
-            <a:lvl2pPr marL="457200" indent="0">
-              <a:buNone/>
-              <a:defRPr sz="1400"/>
+            <a:lvl2pPr marL="377190" indent="0">
+              <a:buNone/>
+              <a:defRPr sz="1155"/>
             </a:lvl2pPr>
-            <a:lvl3pPr marL="914400" indent="0">
-              <a:buNone/>
-              <a:defRPr sz="1200"/>
+            <a:lvl3pPr marL="754380" indent="0">
+              <a:buNone/>
+              <a:defRPr sz="990"/>
             </a:lvl3pPr>
-            <a:lvl4pPr marL="1371600" indent="0">
-              <a:buNone/>
-              <a:defRPr sz="1000"/>
+            <a:lvl4pPr marL="1131570" indent="0">
+              <a:buNone/>
+              <a:defRPr sz="825"/>
             </a:lvl4pPr>
-            <a:lvl5pPr marL="1828800" indent="0">
-              <a:buNone/>
-              <a:defRPr sz="1000"/>
+            <a:lvl5pPr marL="1508760" indent="0">
+              <a:buNone/>
+              <a:defRPr sz="825"/>
             </a:lvl5pPr>
-            <a:lvl6pPr marL="2286000" indent="0">
-              <a:buNone/>
-              <a:defRPr sz="1000"/>
+            <a:lvl6pPr marL="1885950" indent="0">
+              <a:buNone/>
+              <a:defRPr sz="825"/>
             </a:lvl6pPr>
-            <a:lvl7pPr marL="2743200" indent="0">
-              <a:buNone/>
-              <a:defRPr sz="1000"/>
+            <a:lvl7pPr marL="2263140" indent="0">
+              <a:buNone/>
+              <a:defRPr sz="825"/>
             </a:lvl7pPr>
-            <a:lvl8pPr marL="3200400" indent="0">
-              <a:buNone/>
-              <a:defRPr sz="1000"/>
+            <a:lvl8pPr marL="2640330" indent="0">
+              <a:buNone/>
+              <a:defRPr sz="825"/>
             </a:lvl8pPr>
-            <a:lvl9pPr marL="3657600" indent="0">
-              <a:buNone/>
-              <a:defRPr sz="1000"/>
+            <a:lvl9pPr marL="3017520" indent="0">
+              <a:buNone/>
+              <a:defRPr sz="825"/>
             </a:lvl9pPr>
           </a:lstStyle>
           <a:p>
@@ -2353,7 +2707,7 @@
           <a:p>
             <a:fld id="{7605E09F-1329-4994-8266-187CDE3C8E3F}" type="datetimeFigureOut">
               <a:rPr lang="en-US" smtClean="0"/>
-              <a:t>8/12/2022</a:t>
+              <a:t>8/18/2022</a:t>
             </a:fld>
             <a:endParaRPr lang="en-US"/>
           </a:p>
@@ -2404,7 +2758,7 @@
     </p:spTree>
     <p:extLst>
       <p:ext uri="{BB962C8B-B14F-4D97-AF65-F5344CB8AC3E}">
-        <p14:creationId xmlns:p14="http://schemas.microsoft.com/office/powerpoint/2010/main" val="22865284"/>
+        <p14:creationId xmlns:p14="http://schemas.microsoft.com/office/powerpoint/2010/main" val="1792546814"/>
       </p:ext>
     </p:extLst>
   </p:cSld>
@@ -2448,8 +2802,8 @@
         </p:nvSpPr>
         <p:spPr>
           <a:xfrm>
-            <a:off x="691515" y="365127"/>
-            <a:ext cx="8675370" cy="1325563"/>
+            <a:off x="691515" y="301820"/>
+            <a:ext cx="8675370" cy="1095737"/>
           </a:xfrm>
           <a:prstGeom prst="rect">
             <a:avLst/>
@@ -2481,8 +2835,8 @@
         </p:nvSpPr>
         <p:spPr>
           <a:xfrm>
-            <a:off x="691515" y="1825625"/>
-            <a:ext cx="8675370" cy="4351338"/>
+            <a:off x="691515" y="1509099"/>
+            <a:ext cx="8675370" cy="3596905"/>
           </a:xfrm>
           <a:prstGeom prst="rect">
             <a:avLst/>
@@ -2543,8 +2897,8 @@
         </p:nvSpPr>
         <p:spPr>
           <a:xfrm>
-            <a:off x="691515" y="6356352"/>
-            <a:ext cx="2263140" cy="365125"/>
+            <a:off x="691515" y="5254289"/>
+            <a:ext cx="2263140" cy="301820"/>
           </a:xfrm>
           <a:prstGeom prst="rect">
             <a:avLst/>
@@ -2554,7 +2908,7 @@
           <a:bodyPr vert="horz" lIns="91440" tIns="45720" rIns="91440" bIns="45720" rtlCol="0" anchor="ctr"/>
           <a:lstStyle>
             <a:lvl1pPr algn="l">
-              <a:defRPr sz="1200">
+              <a:defRPr sz="990">
                 <a:solidFill>
                   <a:schemeClr val="tx1">
                     <a:tint val="75000"/>
@@ -2566,7 +2920,7 @@
           <a:p>
             <a:fld id="{7605E09F-1329-4994-8266-187CDE3C8E3F}" type="datetimeFigureOut">
               <a:rPr lang="en-US" smtClean="0"/>
-              <a:t>8/12/2022</a:t>
+              <a:t>8/18/2022</a:t>
             </a:fld>
             <a:endParaRPr lang="en-US"/>
           </a:p>
@@ -2584,8 +2938,8 @@
         </p:nvSpPr>
         <p:spPr>
           <a:xfrm>
-            <a:off x="3331845" y="6356352"/>
-            <a:ext cx="3394710" cy="365125"/>
+            <a:off x="3331845" y="5254289"/>
+            <a:ext cx="3394710" cy="301820"/>
           </a:xfrm>
           <a:prstGeom prst="rect">
             <a:avLst/>
@@ -2595,7 +2949,7 @@
           <a:bodyPr vert="horz" lIns="91440" tIns="45720" rIns="91440" bIns="45720" rtlCol="0" anchor="ctr"/>
           <a:lstStyle>
             <a:lvl1pPr algn="ctr">
-              <a:defRPr sz="1200">
+              <a:defRPr sz="990">
                 <a:solidFill>
                   <a:schemeClr val="tx1">
                     <a:tint val="75000"/>
@@ -2621,8 +2975,8 @@
         </p:nvSpPr>
         <p:spPr>
           <a:xfrm>
-            <a:off x="7103745" y="6356352"/>
-            <a:ext cx="2263140" cy="365125"/>
+            <a:off x="7103745" y="5254289"/>
+            <a:ext cx="2263140" cy="301820"/>
           </a:xfrm>
           <a:prstGeom prst="rect">
             <a:avLst/>
@@ -2632,7 +2986,7 @@
           <a:bodyPr vert="horz" lIns="91440" tIns="45720" rIns="91440" bIns="45720" rtlCol="0" anchor="ctr"/>
           <a:lstStyle>
             <a:lvl1pPr algn="r">
-              <a:defRPr sz="1200">
+              <a:defRPr sz="990">
                 <a:solidFill>
                   <a:schemeClr val="tx1">
                     <a:tint val="75000"/>
@@ -2653,27 +3007,27 @@
     </p:spTree>
     <p:extLst>
       <p:ext uri="{BB962C8B-B14F-4D97-AF65-F5344CB8AC3E}">
-        <p14:creationId xmlns:p14="http://schemas.microsoft.com/office/powerpoint/2010/main" val="3628747917"/>
+        <p14:creationId xmlns:p14="http://schemas.microsoft.com/office/powerpoint/2010/main" val="1376340431"/>
       </p:ext>
     </p:extLst>
   </p:cSld>
   <p:clrMap bg1="lt1" tx1="dk1" bg2="lt2" tx2="dk2" accent1="accent1" accent2="accent2" accent3="accent3" accent4="accent4" accent5="accent5" accent6="accent6" hlink="hlink" folHlink="folHlink"/>
   <p:sldLayoutIdLst>
-    <p:sldLayoutId id="2147483709" r:id="rId1"/>
-    <p:sldLayoutId id="2147483710" r:id="rId2"/>
-    <p:sldLayoutId id="2147483711" r:id="rId3"/>
-    <p:sldLayoutId id="2147483712" r:id="rId4"/>
-    <p:sldLayoutId id="2147483713" r:id="rId5"/>
-    <p:sldLayoutId id="2147483714" r:id="rId6"/>
-    <p:sldLayoutId id="2147483715" r:id="rId7"/>
-    <p:sldLayoutId id="2147483716" r:id="rId8"/>
-    <p:sldLayoutId id="2147483717" r:id="rId9"/>
-    <p:sldLayoutId id="2147483718" r:id="rId10"/>
-    <p:sldLayoutId id="2147483719" r:id="rId11"/>
+    <p:sldLayoutId id="2147483745" r:id="rId1"/>
+    <p:sldLayoutId id="2147483746" r:id="rId2"/>
+    <p:sldLayoutId id="2147483747" r:id="rId3"/>
+    <p:sldLayoutId id="2147483748" r:id="rId4"/>
+    <p:sldLayoutId id="2147483749" r:id="rId5"/>
+    <p:sldLayoutId id="2147483750" r:id="rId6"/>
+    <p:sldLayoutId id="2147483751" r:id="rId7"/>
+    <p:sldLayoutId id="2147483752" r:id="rId8"/>
+    <p:sldLayoutId id="2147483753" r:id="rId9"/>
+    <p:sldLayoutId id="2147483754" r:id="rId10"/>
+    <p:sldLayoutId id="2147483755" r:id="rId11"/>
   </p:sldLayoutIdLst>
   <p:txStyles>
     <p:titleStyle>
-      <a:lvl1pPr algn="l" defTabSz="914400" rtl="0" eaLnBrk="1" latinLnBrk="0" hangingPunct="1">
+      <a:lvl1pPr algn="l" defTabSz="754380" rtl="0" eaLnBrk="1" latinLnBrk="0" hangingPunct="1">
         <a:lnSpc>
           <a:spcPct val="90000"/>
         </a:lnSpc>
@@ -2681,7 +3035,7 @@
           <a:spcPct val="0"/>
         </a:spcBef>
         <a:buNone/>
-        <a:defRPr sz="4400" kern="1200">
+        <a:defRPr sz="3630" kern="1200">
           <a:solidFill>
             <a:schemeClr val="tx1"/>
           </a:solidFill>
@@ -2692,16 +3046,16 @@
       </a:lvl1pPr>
     </p:titleStyle>
     <p:bodyStyle>
-      <a:lvl1pPr marL="228600" indent="-228600" algn="l" defTabSz="914400" rtl="0" eaLnBrk="1" latinLnBrk="0" hangingPunct="1">
+      <a:lvl1pPr marL="188595" indent="-188595" algn="l" defTabSz="754380" rtl="0" eaLnBrk="1" latinLnBrk="0" hangingPunct="1">
         <a:lnSpc>
           <a:spcPct val="90000"/>
         </a:lnSpc>
         <a:spcBef>
-          <a:spcPts val="1000"/>
+          <a:spcPts val="825"/>
         </a:spcBef>
         <a:buFont typeface="Arial" panose="020B0604020202020204" pitchFamily="34" charset="0"/>
         <a:buChar char="•"/>
-        <a:defRPr sz="2800" kern="1200">
+        <a:defRPr sz="2310" kern="1200">
           <a:solidFill>
             <a:schemeClr val="tx1"/>
           </a:solidFill>
@@ -2710,16 +3064,16 @@
           <a:cs typeface="+mn-cs"/>
         </a:defRPr>
       </a:lvl1pPr>
-      <a:lvl2pPr marL="685800" indent="-228600" algn="l" defTabSz="914400" rtl="0" eaLnBrk="1" latinLnBrk="0" hangingPunct="1">
+      <a:lvl2pPr marL="565785" indent="-188595" algn="l" defTabSz="754380" rtl="0" eaLnBrk="1" latinLnBrk="0" hangingPunct="1">
         <a:lnSpc>
           <a:spcPct val="90000"/>
         </a:lnSpc>
         <a:spcBef>
-          <a:spcPts val="500"/>
+          <a:spcPts val="413"/>
         </a:spcBef>
         <a:buFont typeface="Arial" panose="020B0604020202020204" pitchFamily="34" charset="0"/>
         <a:buChar char="•"/>
-        <a:defRPr sz="2400" kern="1200">
+        <a:defRPr sz="1980" kern="1200">
           <a:solidFill>
             <a:schemeClr val="tx1"/>
           </a:solidFill>
@@ -2728,16 +3082,16 @@
           <a:cs typeface="+mn-cs"/>
         </a:defRPr>
       </a:lvl2pPr>
-      <a:lvl3pPr marL="1143000" indent="-228600" algn="l" defTabSz="914400" rtl="0" eaLnBrk="1" latinLnBrk="0" hangingPunct="1">
+      <a:lvl3pPr marL="942975" indent="-188595" algn="l" defTabSz="754380" rtl="0" eaLnBrk="1" latinLnBrk="0" hangingPunct="1">
         <a:lnSpc>
           <a:spcPct val="90000"/>
         </a:lnSpc>
         <a:spcBef>
-          <a:spcPts val="500"/>
+          <a:spcPts val="413"/>
         </a:spcBef>
         <a:buFont typeface="Arial" panose="020B0604020202020204" pitchFamily="34" charset="0"/>
         <a:buChar char="•"/>
-        <a:defRPr sz="2000" kern="1200">
+        <a:defRPr sz="1650" kern="1200">
           <a:solidFill>
             <a:schemeClr val="tx1"/>
           </a:solidFill>
@@ -2746,16 +3100,16 @@
           <a:cs typeface="+mn-cs"/>
         </a:defRPr>
       </a:lvl3pPr>
-      <a:lvl4pPr marL="1600200" indent="-228600" algn="l" defTabSz="914400" rtl="0" eaLnBrk="1" latinLnBrk="0" hangingPunct="1">
+      <a:lvl4pPr marL="1320165" indent="-188595" algn="l" defTabSz="754380" rtl="0" eaLnBrk="1" latinLnBrk="0" hangingPunct="1">
         <a:lnSpc>
           <a:spcPct val="90000"/>
         </a:lnSpc>
         <a:spcBef>
-          <a:spcPts val="500"/>
+          <a:spcPts val="413"/>
         </a:spcBef>
         <a:buFont typeface="Arial" panose="020B0604020202020204" pitchFamily="34" charset="0"/>
         <a:buChar char="•"/>
-        <a:defRPr sz="1800" kern="1200">
+        <a:defRPr sz="1485" kern="1200">
           <a:solidFill>
             <a:schemeClr val="tx1"/>
           </a:solidFill>
@@ -2764,16 +3118,16 @@
           <a:cs typeface="+mn-cs"/>
         </a:defRPr>
       </a:lvl4pPr>
-      <a:lvl5pPr marL="2057400" indent="-228600" algn="l" defTabSz="914400" rtl="0" eaLnBrk="1" latinLnBrk="0" hangingPunct="1">
+      <a:lvl5pPr marL="1697355" indent="-188595" algn="l" defTabSz="754380" rtl="0" eaLnBrk="1" latinLnBrk="0" hangingPunct="1">
         <a:lnSpc>
           <a:spcPct val="90000"/>
         </a:lnSpc>
         <a:spcBef>
-          <a:spcPts val="500"/>
+          <a:spcPts val="413"/>
         </a:spcBef>
         <a:buFont typeface="Arial" panose="020B0604020202020204" pitchFamily="34" charset="0"/>
         <a:buChar char="•"/>
-        <a:defRPr sz="1800" kern="1200">
+        <a:defRPr sz="1485" kern="1200">
           <a:solidFill>
             <a:schemeClr val="tx1"/>
           </a:solidFill>
@@ -2782,16 +3136,16 @@
           <a:cs typeface="+mn-cs"/>
         </a:defRPr>
       </a:lvl5pPr>
-      <a:lvl6pPr marL="2514600" indent="-228600" algn="l" defTabSz="914400" rtl="0" eaLnBrk="1" latinLnBrk="0" hangingPunct="1">
+      <a:lvl6pPr marL="2074545" indent="-188595" algn="l" defTabSz="754380" rtl="0" eaLnBrk="1" latinLnBrk="0" hangingPunct="1">
         <a:lnSpc>
           <a:spcPct val="90000"/>
         </a:lnSpc>
         <a:spcBef>
-          <a:spcPts val="500"/>
+          <a:spcPts val="413"/>
         </a:spcBef>
         <a:buFont typeface="Arial" panose="020B0604020202020204" pitchFamily="34" charset="0"/>
         <a:buChar char="•"/>
-        <a:defRPr sz="1800" kern="1200">
+        <a:defRPr sz="1485" kern="1200">
           <a:solidFill>
             <a:schemeClr val="tx1"/>
           </a:solidFill>
@@ -2800,16 +3154,16 @@
           <a:cs typeface="+mn-cs"/>
         </a:defRPr>
       </a:lvl6pPr>
-      <a:lvl7pPr marL="2971800" indent="-228600" algn="l" defTabSz="914400" rtl="0" eaLnBrk="1" latinLnBrk="0" hangingPunct="1">
+      <a:lvl7pPr marL="2451735" indent="-188595" algn="l" defTabSz="754380" rtl="0" eaLnBrk="1" latinLnBrk="0" hangingPunct="1">
         <a:lnSpc>
           <a:spcPct val="90000"/>
         </a:lnSpc>
         <a:spcBef>
-          <a:spcPts val="500"/>
+          <a:spcPts val="413"/>
         </a:spcBef>
         <a:buFont typeface="Arial" panose="020B0604020202020204" pitchFamily="34" charset="0"/>
         <a:buChar char="•"/>
-        <a:defRPr sz="1800" kern="1200">
+        <a:defRPr sz="1485" kern="1200">
           <a:solidFill>
             <a:schemeClr val="tx1"/>
           </a:solidFill>
@@ -2818,16 +3172,16 @@
           <a:cs typeface="+mn-cs"/>
         </a:defRPr>
       </a:lvl7pPr>
-      <a:lvl8pPr marL="3429000" indent="-228600" algn="l" defTabSz="914400" rtl="0" eaLnBrk="1" latinLnBrk="0" hangingPunct="1">
+      <a:lvl8pPr marL="2828925" indent="-188595" algn="l" defTabSz="754380" rtl="0" eaLnBrk="1" latinLnBrk="0" hangingPunct="1">
         <a:lnSpc>
           <a:spcPct val="90000"/>
         </a:lnSpc>
         <a:spcBef>
-          <a:spcPts val="500"/>
+          <a:spcPts val="413"/>
         </a:spcBef>
         <a:buFont typeface="Arial" panose="020B0604020202020204" pitchFamily="34" charset="0"/>
         <a:buChar char="•"/>
-        <a:defRPr sz="1800" kern="1200">
+        <a:defRPr sz="1485" kern="1200">
           <a:solidFill>
             <a:schemeClr val="tx1"/>
           </a:solidFill>
@@ -2836,16 +3190,16 @@
           <a:cs typeface="+mn-cs"/>
         </a:defRPr>
       </a:lvl8pPr>
-      <a:lvl9pPr marL="3886200" indent="-228600" algn="l" defTabSz="914400" rtl="0" eaLnBrk="1" latinLnBrk="0" hangingPunct="1">
+      <a:lvl9pPr marL="3206115" indent="-188595" algn="l" defTabSz="754380" rtl="0" eaLnBrk="1" latinLnBrk="0" hangingPunct="1">
         <a:lnSpc>
           <a:spcPct val="90000"/>
         </a:lnSpc>
         <a:spcBef>
-          <a:spcPts val="500"/>
+          <a:spcPts val="413"/>
         </a:spcBef>
         <a:buFont typeface="Arial" panose="020B0604020202020204" pitchFamily="34" charset="0"/>
         <a:buChar char="•"/>
-        <a:defRPr sz="1800" kern="1200">
+        <a:defRPr sz="1485" kern="1200">
           <a:solidFill>
             <a:schemeClr val="tx1"/>
           </a:solidFill>
@@ -2859,8 +3213,8 @@
       <a:defPPr>
         <a:defRPr lang="en-US"/>
       </a:defPPr>
-      <a:lvl1pPr marL="0" algn="l" defTabSz="914400" rtl="0" eaLnBrk="1" latinLnBrk="0" hangingPunct="1">
-        <a:defRPr sz="1800" kern="1200">
+      <a:lvl1pPr marL="0" algn="l" defTabSz="754380" rtl="0" eaLnBrk="1" latinLnBrk="0" hangingPunct="1">
+        <a:defRPr sz="1485" kern="1200">
           <a:solidFill>
             <a:schemeClr val="tx1"/>
           </a:solidFill>
@@ -2869,8 +3223,8 @@
           <a:cs typeface="+mn-cs"/>
         </a:defRPr>
       </a:lvl1pPr>
-      <a:lvl2pPr marL="457200" algn="l" defTabSz="914400" rtl="0" eaLnBrk="1" latinLnBrk="0" hangingPunct="1">
-        <a:defRPr sz="1800" kern="1200">
+      <a:lvl2pPr marL="377190" algn="l" defTabSz="754380" rtl="0" eaLnBrk="1" latinLnBrk="0" hangingPunct="1">
+        <a:defRPr sz="1485" kern="1200">
           <a:solidFill>
             <a:schemeClr val="tx1"/>
           </a:solidFill>
@@ -2879,8 +3233,8 @@
           <a:cs typeface="+mn-cs"/>
         </a:defRPr>
       </a:lvl2pPr>
-      <a:lvl3pPr marL="914400" algn="l" defTabSz="914400" rtl="0" eaLnBrk="1" latinLnBrk="0" hangingPunct="1">
-        <a:defRPr sz="1800" kern="1200">
+      <a:lvl3pPr marL="754380" algn="l" defTabSz="754380" rtl="0" eaLnBrk="1" latinLnBrk="0" hangingPunct="1">
+        <a:defRPr sz="1485" kern="1200">
           <a:solidFill>
             <a:schemeClr val="tx1"/>
           </a:solidFill>
@@ -2889,8 +3243,8 @@
           <a:cs typeface="+mn-cs"/>
         </a:defRPr>
       </a:lvl3pPr>
-      <a:lvl4pPr marL="1371600" algn="l" defTabSz="914400" rtl="0" eaLnBrk="1" latinLnBrk="0" hangingPunct="1">
-        <a:defRPr sz="1800" kern="1200">
+      <a:lvl4pPr marL="1131570" algn="l" defTabSz="754380" rtl="0" eaLnBrk="1" latinLnBrk="0" hangingPunct="1">
+        <a:defRPr sz="1485" kern="1200">
           <a:solidFill>
             <a:schemeClr val="tx1"/>
           </a:solidFill>
@@ -2899,8 +3253,8 @@
           <a:cs typeface="+mn-cs"/>
         </a:defRPr>
       </a:lvl4pPr>
-      <a:lvl5pPr marL="1828800" algn="l" defTabSz="914400" rtl="0" eaLnBrk="1" latinLnBrk="0" hangingPunct="1">
-        <a:defRPr sz="1800" kern="1200">
+      <a:lvl5pPr marL="1508760" algn="l" defTabSz="754380" rtl="0" eaLnBrk="1" latinLnBrk="0" hangingPunct="1">
+        <a:defRPr sz="1485" kern="1200">
           <a:solidFill>
             <a:schemeClr val="tx1"/>
           </a:solidFill>
@@ -2909,8 +3263,8 @@
           <a:cs typeface="+mn-cs"/>
         </a:defRPr>
       </a:lvl5pPr>
-      <a:lvl6pPr marL="2286000" algn="l" defTabSz="914400" rtl="0" eaLnBrk="1" latinLnBrk="0" hangingPunct="1">
-        <a:defRPr sz="1800" kern="1200">
+      <a:lvl6pPr marL="1885950" algn="l" defTabSz="754380" rtl="0" eaLnBrk="1" latinLnBrk="0" hangingPunct="1">
+        <a:defRPr sz="1485" kern="1200">
           <a:solidFill>
             <a:schemeClr val="tx1"/>
           </a:solidFill>
@@ -2919,8 +3273,8 @@
           <a:cs typeface="+mn-cs"/>
         </a:defRPr>
       </a:lvl6pPr>
-      <a:lvl7pPr marL="2743200" algn="l" defTabSz="914400" rtl="0" eaLnBrk="1" latinLnBrk="0" hangingPunct="1">
-        <a:defRPr sz="1800" kern="1200">
+      <a:lvl7pPr marL="2263140" algn="l" defTabSz="754380" rtl="0" eaLnBrk="1" latinLnBrk="0" hangingPunct="1">
+        <a:defRPr sz="1485" kern="1200">
           <a:solidFill>
             <a:schemeClr val="tx1"/>
           </a:solidFill>
@@ -2929,8 +3283,8 @@
           <a:cs typeface="+mn-cs"/>
         </a:defRPr>
       </a:lvl7pPr>
-      <a:lvl8pPr marL="3200400" algn="l" defTabSz="914400" rtl="0" eaLnBrk="1" latinLnBrk="0" hangingPunct="1">
-        <a:defRPr sz="1800" kern="1200">
+      <a:lvl8pPr marL="2640330" algn="l" defTabSz="754380" rtl="0" eaLnBrk="1" latinLnBrk="0" hangingPunct="1">
+        <a:defRPr sz="1485" kern="1200">
           <a:solidFill>
             <a:schemeClr val="tx1"/>
           </a:solidFill>
@@ -2939,8 +3293,8 @@
           <a:cs typeface="+mn-cs"/>
         </a:defRPr>
       </a:lvl8pPr>
-      <a:lvl9pPr marL="3657600" algn="l" defTabSz="914400" rtl="0" eaLnBrk="1" latinLnBrk="0" hangingPunct="1">
-        <a:defRPr sz="1800" kern="1200">
+      <a:lvl9pPr marL="3017520" algn="l" defTabSz="754380" rtl="0" eaLnBrk="1" latinLnBrk="0" hangingPunct="1">
+        <a:defRPr sz="1485" kern="1200">
           <a:solidFill>
             <a:schemeClr val="tx1"/>
           </a:solidFill>
@@ -2973,10 +3327,10 @@
       </p:grpSpPr>
       <p:pic>
         <p:nvPicPr>
-          <p:cNvPr id="4" name="Picture 3">
+          <p:cNvPr id="27" name="Picture 26">
             <a:extLst>
               <a:ext uri="{FF2B5EF4-FFF2-40B4-BE49-F238E27FC236}">
-                <a16:creationId xmlns:a16="http://schemas.microsoft.com/office/drawing/2014/main" id="{428608CD-E482-40D1-A98A-7851EC386D41}"/>
+                <a16:creationId xmlns:a16="http://schemas.microsoft.com/office/drawing/2014/main" id="{8CCD34D3-BE1D-4D9B-ACEC-8BE9F8A9E2E3}"/>
               </a:ext>
             </a:extLst>
           </p:cNvPr>
@@ -2993,25 +3347,864 @@
               </a:ext>
             </a:extLst>
           </a:blip>
-          <a:srcRect l="8252" t="7396" r="6220" b="6161"/>
+          <a:srcRect l="9875" t="6396" r="491" b="1562"/>
           <a:stretch/>
         </p:blipFill>
         <p:spPr>
           <a:xfrm>
-            <a:off x="0" y="-1"/>
-            <a:ext cx="10058400" cy="6912913"/>
+            <a:off x="0" y="24653"/>
+            <a:ext cx="9797052" cy="5644310"/>
           </a:xfrm>
           <a:prstGeom prst="rect">
             <a:avLst/>
           </a:prstGeom>
         </p:spPr>
       </p:pic>
+      <p:sp>
+        <p:nvSpPr>
+          <p:cNvPr id="7" name="TextBox 6">
+            <a:extLst>
+              <a:ext uri="{FF2B5EF4-FFF2-40B4-BE49-F238E27FC236}">
+                <a16:creationId xmlns:a16="http://schemas.microsoft.com/office/drawing/2014/main" id="{113D6BCB-CDB9-438C-A5E4-6CF081BE11A2}"/>
+              </a:ext>
+            </a:extLst>
+          </p:cNvPr>
+          <p:cNvSpPr txBox="1"/>
+          <p:nvPr/>
+        </p:nvSpPr>
+        <p:spPr>
+          <a:xfrm>
+            <a:off x="1082288" y="301416"/>
+            <a:ext cx="324128" cy="523220"/>
+          </a:xfrm>
+          <a:prstGeom prst="rect">
+            <a:avLst/>
+          </a:prstGeom>
+          <a:noFill/>
+        </p:spPr>
+        <p:txBody>
+          <a:bodyPr wrap="none" rtlCol="0">
+            <a:spAutoFit/>
+          </a:bodyPr>
+          <a:lstStyle/>
+          <a:p>
+            <a:r>
+              <a:rPr lang="en-US" sz="2800" b="1" dirty="0">
+                <a:latin typeface="Times New Roman" panose="02020603050405020304" pitchFamily="18" charset="0"/>
+                <a:cs typeface="Times New Roman" panose="02020603050405020304" pitchFamily="18" charset="0"/>
+              </a:rPr>
+              <a:t>I</a:t>
+            </a:r>
+          </a:p>
+        </p:txBody>
+      </p:sp>
+      <p:sp>
+        <p:nvSpPr>
+          <p:cNvPr id="8" name="TextBox 7">
+            <a:extLst>
+              <a:ext uri="{FF2B5EF4-FFF2-40B4-BE49-F238E27FC236}">
+                <a16:creationId xmlns:a16="http://schemas.microsoft.com/office/drawing/2014/main" id="{523A8EBB-84BF-4F2E-A03E-446BA0DFC041}"/>
+              </a:ext>
+            </a:extLst>
+          </p:cNvPr>
+          <p:cNvSpPr txBox="1"/>
+          <p:nvPr/>
+        </p:nvSpPr>
+        <p:spPr>
+          <a:xfrm>
+            <a:off x="2144953" y="301416"/>
+            <a:ext cx="463588" cy="523220"/>
+          </a:xfrm>
+          <a:prstGeom prst="rect">
+            <a:avLst/>
+          </a:prstGeom>
+          <a:noFill/>
+        </p:spPr>
+        <p:txBody>
+          <a:bodyPr wrap="none" rtlCol="0">
+            <a:spAutoFit/>
+          </a:bodyPr>
+          <a:lstStyle/>
+          <a:p>
+            <a:r>
+              <a:rPr lang="en-US" sz="2800" b="1" dirty="0">
+                <a:latin typeface="Times New Roman" panose="02020603050405020304" pitchFamily="18" charset="0"/>
+                <a:cs typeface="Times New Roman" panose="02020603050405020304" pitchFamily="18" charset="0"/>
+              </a:rPr>
+              <a:t>II</a:t>
+            </a:r>
+          </a:p>
+        </p:txBody>
+      </p:sp>
+      <p:sp>
+        <p:nvSpPr>
+          <p:cNvPr id="9" name="TextBox 8">
+            <a:extLst>
+              <a:ext uri="{FF2B5EF4-FFF2-40B4-BE49-F238E27FC236}">
+                <a16:creationId xmlns:a16="http://schemas.microsoft.com/office/drawing/2014/main" id="{76A5E600-B033-42ED-8EC4-B3D90FD721C1}"/>
+              </a:ext>
+            </a:extLst>
+          </p:cNvPr>
+          <p:cNvSpPr txBox="1"/>
+          <p:nvPr/>
+        </p:nvSpPr>
+        <p:spPr>
+          <a:xfrm>
+            <a:off x="3201923" y="301416"/>
+            <a:ext cx="603050" cy="523220"/>
+          </a:xfrm>
+          <a:prstGeom prst="rect">
+            <a:avLst/>
+          </a:prstGeom>
+          <a:noFill/>
+        </p:spPr>
+        <p:txBody>
+          <a:bodyPr wrap="none" rtlCol="0">
+            <a:spAutoFit/>
+          </a:bodyPr>
+          <a:lstStyle/>
+          <a:p>
+            <a:r>
+              <a:rPr lang="en-US" sz="2800" b="1" dirty="0">
+                <a:latin typeface="Times New Roman" panose="02020603050405020304" pitchFamily="18" charset="0"/>
+                <a:cs typeface="Times New Roman" panose="02020603050405020304" pitchFamily="18" charset="0"/>
+              </a:rPr>
+              <a:t>III</a:t>
+            </a:r>
+          </a:p>
+        </p:txBody>
+      </p:sp>
+      <p:sp>
+        <p:nvSpPr>
+          <p:cNvPr id="10" name="TextBox 9">
+            <a:extLst>
+              <a:ext uri="{FF2B5EF4-FFF2-40B4-BE49-F238E27FC236}">
+                <a16:creationId xmlns:a16="http://schemas.microsoft.com/office/drawing/2014/main" id="{512417DE-0B30-48DD-82B1-74722A0D578F}"/>
+              </a:ext>
+            </a:extLst>
+          </p:cNvPr>
+          <p:cNvSpPr txBox="1"/>
+          <p:nvPr/>
+        </p:nvSpPr>
+        <p:spPr>
+          <a:xfrm>
+            <a:off x="4728511" y="301416"/>
+            <a:ext cx="583814" cy="523220"/>
+          </a:xfrm>
+          <a:prstGeom prst="rect">
+            <a:avLst/>
+          </a:prstGeom>
+          <a:noFill/>
+        </p:spPr>
+        <p:txBody>
+          <a:bodyPr wrap="none" rtlCol="0">
+            <a:spAutoFit/>
+          </a:bodyPr>
+          <a:lstStyle/>
+          <a:p>
+            <a:r>
+              <a:rPr lang="en-US" sz="2800" b="1" dirty="0">
+                <a:latin typeface="Times New Roman" panose="02020603050405020304" pitchFamily="18" charset="0"/>
+                <a:cs typeface="Times New Roman" panose="02020603050405020304" pitchFamily="18" charset="0"/>
+              </a:rPr>
+              <a:t>IV</a:t>
+            </a:r>
+          </a:p>
+        </p:txBody>
+      </p:sp>
+      <p:sp>
+        <p:nvSpPr>
+          <p:cNvPr id="11" name="TextBox 10">
+            <a:extLst>
+              <a:ext uri="{FF2B5EF4-FFF2-40B4-BE49-F238E27FC236}">
+                <a16:creationId xmlns:a16="http://schemas.microsoft.com/office/drawing/2014/main" id="{97D2CC06-DEC0-4127-AC31-83D3EEBE6396}"/>
+              </a:ext>
+            </a:extLst>
+          </p:cNvPr>
+          <p:cNvSpPr txBox="1"/>
+          <p:nvPr/>
+        </p:nvSpPr>
+        <p:spPr>
+          <a:xfrm>
+            <a:off x="7250139" y="301416"/>
+            <a:ext cx="444352" cy="523220"/>
+          </a:xfrm>
+          <a:prstGeom prst="rect">
+            <a:avLst/>
+          </a:prstGeom>
+          <a:noFill/>
+        </p:spPr>
+        <p:txBody>
+          <a:bodyPr wrap="none" rtlCol="0">
+            <a:spAutoFit/>
+          </a:bodyPr>
+          <a:lstStyle/>
+          <a:p>
+            <a:r>
+              <a:rPr lang="en-US" sz="2800" b="1" dirty="0">
+                <a:latin typeface="Times New Roman" panose="02020603050405020304" pitchFamily="18" charset="0"/>
+                <a:cs typeface="Times New Roman" panose="02020603050405020304" pitchFamily="18" charset="0"/>
+              </a:rPr>
+              <a:t>V</a:t>
+            </a:r>
+          </a:p>
+        </p:txBody>
+      </p:sp>
+      <mc:AlternateContent xmlns:mc="http://schemas.openxmlformats.org/markup-compatibility/2006">
+        <mc:Choice xmlns:a14="http://schemas.microsoft.com/office/drawing/2010/main" Requires="a14">
+          <p:sp>
+            <p:nvSpPr>
+              <p:cNvPr id="12" name="TextBox 11">
+                <a:extLst>
+                  <a:ext uri="{FF2B5EF4-FFF2-40B4-BE49-F238E27FC236}">
+                    <a16:creationId xmlns:a16="http://schemas.microsoft.com/office/drawing/2014/main" id="{6A737122-90E0-4C45-9F2E-DC93A04B2E88}"/>
+                  </a:ext>
+                </a:extLst>
+              </p:cNvPr>
+              <p:cNvSpPr txBox="1"/>
+              <p:nvPr/>
+            </p:nvSpPr>
+            <p:spPr>
+              <a:xfrm>
+                <a:off x="2976940" y="3898347"/>
+                <a:ext cx="2684196" cy="812723"/>
+              </a:xfrm>
+              <a:prstGeom prst="rect">
+                <a:avLst/>
+              </a:prstGeom>
+              <a:noFill/>
+            </p:spPr>
+            <p:txBody>
+              <a:bodyPr wrap="none" lIns="0" tIns="0" rIns="0" bIns="0" rtlCol="0">
+                <a:spAutoFit/>
+              </a:bodyPr>
+              <a:lstStyle/>
+              <a:p>
+                <a:pPr/>
+                <a14:m>
+                  <m:oMathPara xmlns:m="http://schemas.openxmlformats.org/officeDocument/2006/math">
+                    <m:oMathParaPr>
+                      <m:jc m:val="centerGroup"/>
+                    </m:oMathParaPr>
+                    <m:oMath xmlns:m="http://schemas.openxmlformats.org/officeDocument/2006/math">
+                      <m:f>
+                        <m:fPr>
+                          <m:ctrlPr>
+                            <a:rPr lang="en-US" sz="2400" b="1" i="1" smtClean="0">
+                              <a:latin typeface="Cambria Math" panose="02040503050406030204" pitchFamily="18" charset="0"/>
+                            </a:rPr>
+                          </m:ctrlPr>
+                        </m:fPr>
+                        <m:num>
+                          <m:r>
+                            <a:rPr lang="en-US" sz="2400" b="1" i="1" smtClean="0">
+                              <a:latin typeface="Cambria Math" panose="02040503050406030204" pitchFamily="18" charset="0"/>
+                            </a:rPr>
+                            <m:t>𝒅</m:t>
+                          </m:r>
+                          <m:sSub>
+                            <m:sSubPr>
+                              <m:ctrlPr>
+                                <a:rPr lang="en-US" sz="2400" b="1" i="1" smtClean="0">
+                                  <a:latin typeface="Cambria Math" panose="02040503050406030204" pitchFamily="18" charset="0"/>
+                                </a:rPr>
+                              </m:ctrlPr>
+                            </m:sSubPr>
+                            <m:e>
+                              <m:r>
+                                <a:rPr lang="en-US" sz="2400" b="1" i="1" smtClean="0">
+                                  <a:latin typeface="Cambria Math" panose="02040503050406030204" pitchFamily="18" charset="0"/>
+                                </a:rPr>
+                                <m:t>𝑱</m:t>
+                              </m:r>
+                            </m:e>
+                            <m:sub>
+                              <m:r>
+                                <a:rPr lang="en-US" sz="2400" b="1" i="1" smtClean="0">
+                                  <a:latin typeface="Cambria Math" panose="02040503050406030204" pitchFamily="18" charset="0"/>
+                                </a:rPr>
+                                <m:t>𝒛</m:t>
+                              </m:r>
+                            </m:sub>
+                          </m:sSub>
+                        </m:num>
+                        <m:den>
+                          <m:r>
+                            <a:rPr lang="en-US" sz="2400" b="1" i="1" smtClean="0">
+                              <a:latin typeface="Cambria Math" panose="02040503050406030204" pitchFamily="18" charset="0"/>
+                            </a:rPr>
+                            <m:t>𝒅𝒕</m:t>
+                          </m:r>
+                        </m:den>
+                      </m:f>
+                      <m:r>
+                        <a:rPr lang="en-US" sz="2400" b="1" i="1" smtClean="0">
+                          <a:latin typeface="Cambria Math" panose="02040503050406030204" pitchFamily="18" charset="0"/>
+                        </a:rPr>
+                        <m:t>=</m:t>
+                      </m:r>
+                      <m:r>
+                        <a:rPr lang="en-US" sz="2400" b="1" i="1" smtClean="0">
+                          <a:latin typeface="Cambria Math" panose="02040503050406030204" pitchFamily="18" charset="0"/>
+                        </a:rPr>
+                        <m:t>𝟎</m:t>
+                      </m:r>
+                      <m:r>
+                        <a:rPr lang="en-US" sz="2400" b="1" i="1" smtClean="0">
+                          <a:latin typeface="Cambria Math" panose="02040503050406030204" pitchFamily="18" charset="0"/>
+                        </a:rPr>
+                        <m:t>.</m:t>
+                      </m:r>
+                      <m:r>
+                        <a:rPr lang="en-US" sz="2400" b="1" i="1" smtClean="0">
+                          <a:latin typeface="Cambria Math" panose="02040503050406030204" pitchFamily="18" charset="0"/>
+                        </a:rPr>
+                        <m:t>𝟓</m:t>
+                      </m:r>
+                      <m:f>
+                        <m:fPr>
+                          <m:ctrlPr>
+                            <a:rPr lang="en-US" sz="2400" b="1" i="1" smtClean="0">
+                              <a:latin typeface="Cambria Math" panose="02040503050406030204" pitchFamily="18" charset="0"/>
+                            </a:rPr>
+                          </m:ctrlPr>
+                        </m:fPr>
+                        <m:num>
+                          <m:sSup>
+                            <m:sSupPr>
+                              <m:ctrlPr>
+                                <a:rPr lang="en-US" sz="2400" b="1" i="1" smtClean="0">
+                                  <a:latin typeface="Cambria Math" panose="02040503050406030204" pitchFamily="18" charset="0"/>
+                                </a:rPr>
+                              </m:ctrlPr>
+                            </m:sSupPr>
+                            <m:e>
+                              <m:r>
+                                <a:rPr lang="en-US" sz="2400" b="1" i="1" smtClean="0">
+                                  <a:latin typeface="Cambria Math" panose="02040503050406030204" pitchFamily="18" charset="0"/>
+                                </a:rPr>
+                                <m:t>𝒆</m:t>
+                              </m:r>
+                            </m:e>
+                            <m:sup>
+                              <m:r>
+                                <a:rPr lang="en-US" sz="2400" b="1" i="1" smtClean="0">
+                                  <a:latin typeface="Cambria Math" panose="02040503050406030204" pitchFamily="18" charset="0"/>
+                                </a:rPr>
+                                <m:t>𝟐</m:t>
+                              </m:r>
+                            </m:sup>
+                          </m:sSup>
+                          <m:sSub>
+                            <m:sSubPr>
+                              <m:ctrlPr>
+                                <a:rPr lang="en-US" sz="2400" b="1" i="1" smtClean="0">
+                                  <a:latin typeface="Cambria Math" panose="02040503050406030204" pitchFamily="18" charset="0"/>
+                                </a:rPr>
+                              </m:ctrlPr>
+                            </m:sSubPr>
+                            <m:e>
+                              <m:r>
+                                <a:rPr lang="en-US" sz="2400" b="1" i="1" smtClean="0">
+                                  <a:latin typeface="Cambria Math" panose="02040503050406030204" pitchFamily="18" charset="0"/>
+                                </a:rPr>
+                                <m:t>𝒏</m:t>
+                              </m:r>
+                            </m:e>
+                            <m:sub>
+                              <m:r>
+                                <a:rPr lang="en-US" sz="2400" b="1" i="1" smtClean="0">
+                                  <a:latin typeface="Cambria Math" panose="02040503050406030204" pitchFamily="18" charset="0"/>
+                                </a:rPr>
+                                <m:t>𝟎</m:t>
+                              </m:r>
+                            </m:sub>
+                          </m:sSub>
+                          <m:sSub>
+                            <m:sSubPr>
+                              <m:ctrlPr>
+                                <a:rPr lang="en-US" sz="2400" b="1" i="1" smtClean="0">
+                                  <a:latin typeface="Cambria Math" panose="02040503050406030204" pitchFamily="18" charset="0"/>
+                                </a:rPr>
+                              </m:ctrlPr>
+                            </m:sSubPr>
+                            <m:e>
+                              <m:r>
+                                <a:rPr lang="en-US" sz="2400" b="1" i="1" smtClean="0">
+                                  <a:latin typeface="Cambria Math" panose="02040503050406030204" pitchFamily="18" charset="0"/>
+                                </a:rPr>
+                                <m:t>𝑬</m:t>
+                              </m:r>
+                            </m:e>
+                            <m:sub>
+                              <m:r>
+                                <a:rPr lang="en-US" sz="2400" b="1" i="1" smtClean="0">
+                                  <a:latin typeface="Cambria Math" panose="02040503050406030204" pitchFamily="18" charset="0"/>
+                                </a:rPr>
+                                <m:t>𝒆𝒙𝒕</m:t>
+                              </m:r>
+                            </m:sub>
+                          </m:sSub>
+                        </m:num>
+                        <m:den>
+                          <m:sSub>
+                            <m:sSubPr>
+                              <m:ctrlPr>
+                                <a:rPr lang="en-US" sz="2400" b="1" i="1" smtClean="0">
+                                  <a:latin typeface="Cambria Math" panose="02040503050406030204" pitchFamily="18" charset="0"/>
+                                </a:rPr>
+                              </m:ctrlPr>
+                            </m:sSubPr>
+                            <m:e>
+                              <m:r>
+                                <a:rPr lang="en-US" sz="2400" b="1" i="1" smtClean="0">
+                                  <a:latin typeface="Cambria Math" panose="02040503050406030204" pitchFamily="18" charset="0"/>
+                                </a:rPr>
+                                <m:t>𝒎</m:t>
+                              </m:r>
+                            </m:e>
+                            <m:sub>
+                              <m:r>
+                                <a:rPr lang="en-US" sz="2400" b="1" i="1" smtClean="0">
+                                  <a:latin typeface="Cambria Math" panose="02040503050406030204" pitchFamily="18" charset="0"/>
+                                </a:rPr>
+                                <m:t>𝒆</m:t>
+                              </m:r>
+                            </m:sub>
+                          </m:sSub>
+                        </m:den>
+                      </m:f>
+                    </m:oMath>
+                  </m:oMathPara>
+                </a14:m>
+                <a:endParaRPr lang="en-US" sz="2400" b="1" dirty="0"/>
+              </a:p>
+            </p:txBody>
+          </p:sp>
+        </mc:Choice>
+        <mc:Fallback>
+          <p:sp>
+            <p:nvSpPr>
+              <p:cNvPr id="12" name="TextBox 11">
+                <a:extLst>
+                  <a:ext uri="{FF2B5EF4-FFF2-40B4-BE49-F238E27FC236}">
+                    <a16:creationId xmlns:a16="http://schemas.microsoft.com/office/drawing/2014/main" id="{6A737122-90E0-4C45-9F2E-DC93A04B2E88}"/>
+                  </a:ext>
+                </a:extLst>
+              </p:cNvPr>
+              <p:cNvSpPr txBox="1">
+                <a:spLocks noRot="1" noChangeAspect="1" noMove="1" noResize="1" noEditPoints="1" noAdjustHandles="1" noChangeArrowheads="1" noChangeShapeType="1" noTextEdit="1"/>
+              </p:cNvSpPr>
+              <p:nvPr/>
+            </p:nvSpPr>
+            <p:spPr>
+              <a:xfrm>
+                <a:off x="2976940" y="3898347"/>
+                <a:ext cx="2684196" cy="812723"/>
+              </a:xfrm>
+              <a:prstGeom prst="rect">
+                <a:avLst/>
+              </a:prstGeom>
+              <a:blipFill>
+                <a:blip r:embed="rId3"/>
+                <a:stretch>
+                  <a:fillRect/>
+                </a:stretch>
+              </a:blipFill>
+            </p:spPr>
+            <p:txBody>
+              <a:bodyPr/>
+              <a:lstStyle/>
+              <a:p>
+                <a:r>
+                  <a:rPr lang="en-US">
+                    <a:noFill/>
+                  </a:rPr>
+                  <a:t> </a:t>
+                </a:r>
+              </a:p>
+            </p:txBody>
+          </p:sp>
+        </mc:Fallback>
+      </mc:AlternateContent>
+      <mc:AlternateContent xmlns:mc="http://schemas.openxmlformats.org/markup-compatibility/2006">
+        <mc:Choice xmlns:a14="http://schemas.microsoft.com/office/drawing/2010/main" Requires="a14">
+          <p:sp>
+            <p:nvSpPr>
+              <p:cNvPr id="14" name="TextBox 13">
+                <a:extLst>
+                  <a:ext uri="{FF2B5EF4-FFF2-40B4-BE49-F238E27FC236}">
+                    <a16:creationId xmlns:a16="http://schemas.microsoft.com/office/drawing/2014/main" id="{4397105A-A95E-4CDA-978F-77E07F237133}"/>
+                  </a:ext>
+                </a:extLst>
+              </p:cNvPr>
+              <p:cNvSpPr txBox="1"/>
+              <p:nvPr/>
+            </p:nvSpPr>
+            <p:spPr>
+              <a:xfrm>
+                <a:off x="4728511" y="2988163"/>
+                <a:ext cx="2684196" cy="812723"/>
+              </a:xfrm>
+              <a:prstGeom prst="rect">
+                <a:avLst/>
+              </a:prstGeom>
+              <a:noFill/>
+            </p:spPr>
+            <p:txBody>
+              <a:bodyPr wrap="none" lIns="0" tIns="0" rIns="0" bIns="0" rtlCol="0">
+                <a:spAutoFit/>
+              </a:bodyPr>
+              <a:lstStyle/>
+              <a:p>
+                <a:pPr/>
+                <a14:m>
+                  <m:oMathPara xmlns:m="http://schemas.openxmlformats.org/officeDocument/2006/math">
+                    <m:oMathParaPr>
+                      <m:jc m:val="centerGroup"/>
+                    </m:oMathParaPr>
+                    <m:oMath xmlns:m="http://schemas.openxmlformats.org/officeDocument/2006/math">
+                      <m:f>
+                        <m:fPr>
+                          <m:ctrlPr>
+                            <a:rPr lang="en-US" sz="2400" b="1" i="1" smtClean="0">
+                              <a:latin typeface="Cambria Math" panose="02040503050406030204" pitchFamily="18" charset="0"/>
+                            </a:rPr>
+                          </m:ctrlPr>
+                        </m:fPr>
+                        <m:num>
+                          <m:r>
+                            <a:rPr lang="en-US" sz="2400" b="1" i="1" smtClean="0">
+                              <a:latin typeface="Cambria Math" panose="02040503050406030204" pitchFamily="18" charset="0"/>
+                            </a:rPr>
+                            <m:t>𝒅</m:t>
+                          </m:r>
+                          <m:sSub>
+                            <m:sSubPr>
+                              <m:ctrlPr>
+                                <a:rPr lang="en-US" sz="2400" b="1" i="1" smtClean="0">
+                                  <a:latin typeface="Cambria Math" panose="02040503050406030204" pitchFamily="18" charset="0"/>
+                                </a:rPr>
+                              </m:ctrlPr>
+                            </m:sSubPr>
+                            <m:e>
+                              <m:r>
+                                <a:rPr lang="en-US" sz="2400" b="1" i="1" smtClean="0">
+                                  <a:latin typeface="Cambria Math" panose="02040503050406030204" pitchFamily="18" charset="0"/>
+                                </a:rPr>
+                                <m:t>𝑱</m:t>
+                              </m:r>
+                            </m:e>
+                            <m:sub>
+                              <m:r>
+                                <a:rPr lang="en-US" sz="2400" b="1" i="1" smtClean="0">
+                                  <a:latin typeface="Cambria Math" panose="02040503050406030204" pitchFamily="18" charset="0"/>
+                                </a:rPr>
+                                <m:t>𝒛</m:t>
+                              </m:r>
+                            </m:sub>
+                          </m:sSub>
+                        </m:num>
+                        <m:den>
+                          <m:r>
+                            <a:rPr lang="en-US" sz="2400" b="1" i="1" smtClean="0">
+                              <a:latin typeface="Cambria Math" panose="02040503050406030204" pitchFamily="18" charset="0"/>
+                            </a:rPr>
+                            <m:t>𝒅𝒕</m:t>
+                          </m:r>
+                        </m:den>
+                      </m:f>
+                      <m:r>
+                        <a:rPr lang="en-US" sz="2400" b="1" i="1" smtClean="0">
+                          <a:latin typeface="Cambria Math" panose="02040503050406030204" pitchFamily="18" charset="0"/>
+                        </a:rPr>
+                        <m:t>=</m:t>
+                      </m:r>
+                      <m:r>
+                        <a:rPr lang="en-US" sz="2400" b="1" i="1" smtClean="0">
+                          <a:latin typeface="Cambria Math" panose="02040503050406030204" pitchFamily="18" charset="0"/>
+                        </a:rPr>
+                        <m:t>𝟎</m:t>
+                      </m:r>
+                      <m:r>
+                        <a:rPr lang="en-US" sz="2400" b="1" i="1" smtClean="0">
+                          <a:latin typeface="Cambria Math" panose="02040503050406030204" pitchFamily="18" charset="0"/>
+                        </a:rPr>
+                        <m:t>.</m:t>
+                      </m:r>
+                      <m:r>
+                        <a:rPr lang="en-US" sz="2400" b="1" i="1" smtClean="0">
+                          <a:latin typeface="Cambria Math" panose="02040503050406030204" pitchFamily="18" charset="0"/>
+                        </a:rPr>
+                        <m:t>𝟖</m:t>
+                      </m:r>
+                      <m:f>
+                        <m:fPr>
+                          <m:ctrlPr>
+                            <a:rPr lang="en-US" sz="2400" b="1" i="1" smtClean="0">
+                              <a:latin typeface="Cambria Math" panose="02040503050406030204" pitchFamily="18" charset="0"/>
+                            </a:rPr>
+                          </m:ctrlPr>
+                        </m:fPr>
+                        <m:num>
+                          <m:sSup>
+                            <m:sSupPr>
+                              <m:ctrlPr>
+                                <a:rPr lang="en-US" sz="2400" b="1" i="1" smtClean="0">
+                                  <a:latin typeface="Cambria Math" panose="02040503050406030204" pitchFamily="18" charset="0"/>
+                                </a:rPr>
+                              </m:ctrlPr>
+                            </m:sSupPr>
+                            <m:e>
+                              <m:r>
+                                <a:rPr lang="en-US" sz="2400" b="1" i="1" smtClean="0">
+                                  <a:latin typeface="Cambria Math" panose="02040503050406030204" pitchFamily="18" charset="0"/>
+                                </a:rPr>
+                                <m:t>𝒆</m:t>
+                              </m:r>
+                            </m:e>
+                            <m:sup>
+                              <m:r>
+                                <a:rPr lang="en-US" sz="2400" b="1" i="1" smtClean="0">
+                                  <a:latin typeface="Cambria Math" panose="02040503050406030204" pitchFamily="18" charset="0"/>
+                                </a:rPr>
+                                <m:t>𝟐</m:t>
+                              </m:r>
+                            </m:sup>
+                          </m:sSup>
+                          <m:sSub>
+                            <m:sSubPr>
+                              <m:ctrlPr>
+                                <a:rPr lang="en-US" sz="2400" b="1" i="1" smtClean="0">
+                                  <a:latin typeface="Cambria Math" panose="02040503050406030204" pitchFamily="18" charset="0"/>
+                                </a:rPr>
+                              </m:ctrlPr>
+                            </m:sSubPr>
+                            <m:e>
+                              <m:r>
+                                <a:rPr lang="en-US" sz="2400" b="1" i="1" smtClean="0">
+                                  <a:latin typeface="Cambria Math" panose="02040503050406030204" pitchFamily="18" charset="0"/>
+                                </a:rPr>
+                                <m:t>𝒏</m:t>
+                              </m:r>
+                            </m:e>
+                            <m:sub>
+                              <m:r>
+                                <a:rPr lang="en-US" sz="2400" b="1" i="1" smtClean="0">
+                                  <a:latin typeface="Cambria Math" panose="02040503050406030204" pitchFamily="18" charset="0"/>
+                                </a:rPr>
+                                <m:t>𝟎</m:t>
+                              </m:r>
+                            </m:sub>
+                          </m:sSub>
+                          <m:sSub>
+                            <m:sSubPr>
+                              <m:ctrlPr>
+                                <a:rPr lang="en-US" sz="2400" b="1" i="1" smtClean="0">
+                                  <a:latin typeface="Cambria Math" panose="02040503050406030204" pitchFamily="18" charset="0"/>
+                                </a:rPr>
+                              </m:ctrlPr>
+                            </m:sSubPr>
+                            <m:e>
+                              <m:r>
+                                <a:rPr lang="en-US" sz="2400" b="1" i="1" smtClean="0">
+                                  <a:latin typeface="Cambria Math" panose="02040503050406030204" pitchFamily="18" charset="0"/>
+                                </a:rPr>
+                                <m:t>𝑬</m:t>
+                              </m:r>
+                            </m:e>
+                            <m:sub>
+                              <m:r>
+                                <a:rPr lang="en-US" sz="2400" b="1" i="1" smtClean="0">
+                                  <a:latin typeface="Cambria Math" panose="02040503050406030204" pitchFamily="18" charset="0"/>
+                                </a:rPr>
+                                <m:t>𝒆𝒙𝒕</m:t>
+                              </m:r>
+                            </m:sub>
+                          </m:sSub>
+                        </m:num>
+                        <m:den>
+                          <m:sSub>
+                            <m:sSubPr>
+                              <m:ctrlPr>
+                                <a:rPr lang="en-US" sz="2400" b="1" i="1" smtClean="0">
+                                  <a:latin typeface="Cambria Math" panose="02040503050406030204" pitchFamily="18" charset="0"/>
+                                </a:rPr>
+                              </m:ctrlPr>
+                            </m:sSubPr>
+                            <m:e>
+                              <m:r>
+                                <a:rPr lang="en-US" sz="2400" b="1" i="1" smtClean="0">
+                                  <a:latin typeface="Cambria Math" panose="02040503050406030204" pitchFamily="18" charset="0"/>
+                                </a:rPr>
+                                <m:t>𝒎</m:t>
+                              </m:r>
+                            </m:e>
+                            <m:sub>
+                              <m:r>
+                                <a:rPr lang="en-US" sz="2400" b="1" i="1" smtClean="0">
+                                  <a:latin typeface="Cambria Math" panose="02040503050406030204" pitchFamily="18" charset="0"/>
+                                </a:rPr>
+                                <m:t>𝒆</m:t>
+                              </m:r>
+                            </m:sub>
+                          </m:sSub>
+                        </m:den>
+                      </m:f>
+                    </m:oMath>
+                  </m:oMathPara>
+                </a14:m>
+                <a:endParaRPr lang="en-US" sz="2400" b="1" dirty="0"/>
+              </a:p>
+            </p:txBody>
+          </p:sp>
+        </mc:Choice>
+        <mc:Fallback>
+          <p:sp>
+            <p:nvSpPr>
+              <p:cNvPr id="14" name="TextBox 13">
+                <a:extLst>
+                  <a:ext uri="{FF2B5EF4-FFF2-40B4-BE49-F238E27FC236}">
+                    <a16:creationId xmlns:a16="http://schemas.microsoft.com/office/drawing/2014/main" id="{4397105A-A95E-4CDA-978F-77E07F237133}"/>
+                  </a:ext>
+                </a:extLst>
+              </p:cNvPr>
+              <p:cNvSpPr txBox="1">
+                <a:spLocks noRot="1" noChangeAspect="1" noMove="1" noResize="1" noEditPoints="1" noAdjustHandles="1" noChangeArrowheads="1" noChangeShapeType="1" noTextEdit="1"/>
+              </p:cNvSpPr>
+              <p:nvPr/>
+            </p:nvSpPr>
+            <p:spPr>
+              <a:xfrm>
+                <a:off x="4728511" y="2988163"/>
+                <a:ext cx="2684196" cy="812723"/>
+              </a:xfrm>
+              <a:prstGeom prst="rect">
+                <a:avLst/>
+              </a:prstGeom>
+              <a:blipFill>
+                <a:blip r:embed="rId4"/>
+                <a:stretch>
+                  <a:fillRect/>
+                </a:stretch>
+              </a:blipFill>
+            </p:spPr>
+            <p:txBody>
+              <a:bodyPr/>
+              <a:lstStyle/>
+              <a:p>
+                <a:r>
+                  <a:rPr lang="en-US">
+                    <a:noFill/>
+                  </a:rPr>
+                  <a:t> </a:t>
+                </a:r>
+              </a:p>
+            </p:txBody>
+          </p:sp>
+        </mc:Fallback>
+      </mc:AlternateContent>
+      <p:sp>
+        <p:nvSpPr>
+          <p:cNvPr id="15" name="TextBox 14">
+            <a:extLst>
+              <a:ext uri="{FF2B5EF4-FFF2-40B4-BE49-F238E27FC236}">
+                <a16:creationId xmlns:a16="http://schemas.microsoft.com/office/drawing/2014/main" id="{5AA93ACF-79AD-4FA1-9335-E3473C8B83EA}"/>
+              </a:ext>
+            </a:extLst>
+          </p:cNvPr>
+          <p:cNvSpPr txBox="1"/>
+          <p:nvPr/>
+        </p:nvSpPr>
+        <p:spPr>
+          <a:xfrm>
+            <a:off x="6476923" y="2003484"/>
+            <a:ext cx="2392065" cy="830997"/>
+          </a:xfrm>
+          <a:prstGeom prst="rect">
+            <a:avLst/>
+          </a:prstGeom>
+          <a:noFill/>
+        </p:spPr>
+        <p:txBody>
+          <a:bodyPr wrap="none" rtlCol="0">
+            <a:spAutoFit/>
+          </a:bodyPr>
+          <a:lstStyle/>
+          <a:p>
+            <a:pPr algn="ctr"/>
+            <a:r>
+              <a:rPr lang="en-US" sz="2400" b="1" dirty="0">
+                <a:latin typeface="Times New Roman" panose="02020603050405020304" pitchFamily="18" charset="0"/>
+                <a:cs typeface="Times New Roman" panose="02020603050405020304" pitchFamily="18" charset="0"/>
+              </a:rPr>
+              <a:t>electron-electron</a:t>
+            </a:r>
+          </a:p>
+          <a:p>
+            <a:pPr algn="ctr"/>
+            <a:r>
+              <a:rPr lang="en-US" sz="2400" b="1" dirty="0">
+                <a:latin typeface="Times New Roman" panose="02020603050405020304" pitchFamily="18" charset="0"/>
+                <a:cs typeface="Times New Roman" panose="02020603050405020304" pitchFamily="18" charset="0"/>
+              </a:rPr>
+              <a:t>instability</a:t>
+            </a:r>
+          </a:p>
+        </p:txBody>
+      </p:sp>
+      <p:sp>
+        <p:nvSpPr>
+          <p:cNvPr id="18" name="Arrow: Down 17">
+            <a:extLst>
+              <a:ext uri="{FF2B5EF4-FFF2-40B4-BE49-F238E27FC236}">
+                <a16:creationId xmlns:a16="http://schemas.microsoft.com/office/drawing/2014/main" id="{5EEB02EE-6F88-4F14-803A-5AF5573503B7}"/>
+              </a:ext>
+            </a:extLst>
+          </p:cNvPr>
+          <p:cNvSpPr/>
+          <p:nvPr/>
+        </p:nvSpPr>
+        <p:spPr>
+          <a:xfrm rot="7738585">
+            <a:off x="6738974" y="1520747"/>
+            <a:ext cx="145877" cy="732386"/>
+          </a:xfrm>
+          <a:prstGeom prst="downArrow">
+            <a:avLst/>
+          </a:prstGeom>
+        </p:spPr>
+        <p:style>
+          <a:lnRef idx="2">
+            <a:schemeClr val="dk1">
+              <a:shade val="50000"/>
+            </a:schemeClr>
+          </a:lnRef>
+          <a:fillRef idx="1">
+            <a:schemeClr val="dk1"/>
+          </a:fillRef>
+          <a:effectRef idx="0">
+            <a:schemeClr val="dk1"/>
+          </a:effectRef>
+          <a:fontRef idx="minor">
+            <a:schemeClr val="lt1"/>
+          </a:fontRef>
+        </p:style>
+        <p:txBody>
+          <a:bodyPr rtlCol="0" anchor="ctr"/>
+          <a:lstStyle/>
+          <a:p>
+            <a:pPr algn="ctr"/>
+            <a:endParaRPr lang="en-US"/>
+          </a:p>
+        </p:txBody>
+      </p:sp>
       <p:pic>
         <p:nvPicPr>
-          <p:cNvPr id="7" name="Picture 6">
+          <p:cNvPr id="20" name="Picture 19">
             <a:extLst>
               <a:ext uri="{FF2B5EF4-FFF2-40B4-BE49-F238E27FC236}">
-                <a16:creationId xmlns:a16="http://schemas.microsoft.com/office/drawing/2014/main" id="{5041432B-B32D-4F6C-B995-610AA2CD5736}"/>
+                <a16:creationId xmlns:a16="http://schemas.microsoft.com/office/drawing/2014/main" id="{79FD8305-75CB-4C68-84F6-1AA5FE9360D3}"/>
               </a:ext>
             </a:extLst>
           </p:cNvPr>
@@ -3021,182 +4214,30 @@
           <p:nvPr/>
         </p:nvPicPr>
         <p:blipFill rotWithShape="1">
-          <a:blip r:embed="rId3">
+          <a:blip r:embed="rId5">
             <a:extLst>
               <a:ext uri="{28A0092B-C50C-407E-A947-70E740481C1C}">
                 <a14:useLocalDpi xmlns:a14="http://schemas.microsoft.com/office/drawing/2010/main" val="0"/>
               </a:ext>
             </a:extLst>
           </a:blip>
-          <a:srcRect t="7520" b="2961"/>
+          <a:srcRect l="1801" t="22068" r="92956" b="28241"/>
           <a:stretch/>
         </p:blipFill>
         <p:spPr>
           <a:xfrm>
-            <a:off x="6220235" y="3429000"/>
-            <a:ext cx="3369094" cy="2551952"/>
+            <a:off x="9563076" y="953574"/>
+            <a:ext cx="495324" cy="3264464"/>
           </a:xfrm>
           <a:prstGeom prst="rect">
             <a:avLst/>
           </a:prstGeom>
         </p:spPr>
       </p:pic>
-      <p:sp>
-        <p:nvSpPr>
-          <p:cNvPr id="2" name="TextBox 1">
-            <a:extLst>
-              <a:ext uri="{FF2B5EF4-FFF2-40B4-BE49-F238E27FC236}">
-                <a16:creationId xmlns:a16="http://schemas.microsoft.com/office/drawing/2014/main" id="{28065109-D14A-46F2-97E8-E0A3D1797ACF}"/>
-              </a:ext>
-            </a:extLst>
-          </p:cNvPr>
-          <p:cNvSpPr txBox="1"/>
-          <p:nvPr/>
-        </p:nvSpPr>
-        <p:spPr>
-          <a:xfrm>
-            <a:off x="1491449" y="399497"/>
-            <a:ext cx="324128" cy="523220"/>
-          </a:xfrm>
-          <a:prstGeom prst="rect">
-            <a:avLst/>
-          </a:prstGeom>
-          <a:noFill/>
-        </p:spPr>
-        <p:txBody>
-          <a:bodyPr wrap="none" rtlCol="0">
-            <a:spAutoFit/>
-          </a:bodyPr>
-          <a:lstStyle/>
-          <a:p>
-            <a:r>
-              <a:rPr lang="en-US" sz="2800" b="1" dirty="0">
-                <a:latin typeface="Times New Roman" panose="02020603050405020304" pitchFamily="18" charset="0"/>
-                <a:cs typeface="Times New Roman" panose="02020603050405020304" pitchFamily="18" charset="0"/>
-              </a:rPr>
-              <a:t>I</a:t>
-            </a:r>
-          </a:p>
-        </p:txBody>
-      </p:sp>
-      <p:sp>
-        <p:nvSpPr>
-          <p:cNvPr id="6" name="TextBox 5">
-            <a:extLst>
-              <a:ext uri="{FF2B5EF4-FFF2-40B4-BE49-F238E27FC236}">
-                <a16:creationId xmlns:a16="http://schemas.microsoft.com/office/drawing/2014/main" id="{B8ED2FC9-7563-4BE8-9E50-5F959785222D}"/>
-              </a:ext>
-            </a:extLst>
-          </p:cNvPr>
-          <p:cNvSpPr txBox="1"/>
-          <p:nvPr/>
-        </p:nvSpPr>
-        <p:spPr>
-          <a:xfrm>
-            <a:off x="3144174" y="399497"/>
-            <a:ext cx="463588" cy="523220"/>
-          </a:xfrm>
-          <a:prstGeom prst="rect">
-            <a:avLst/>
-          </a:prstGeom>
-          <a:noFill/>
-        </p:spPr>
-        <p:txBody>
-          <a:bodyPr wrap="none" rtlCol="0">
-            <a:spAutoFit/>
-          </a:bodyPr>
-          <a:lstStyle/>
-          <a:p>
-            <a:r>
-              <a:rPr lang="en-US" sz="2800" b="1" dirty="0">
-                <a:latin typeface="Times New Roman" panose="02020603050405020304" pitchFamily="18" charset="0"/>
-                <a:cs typeface="Times New Roman" panose="02020603050405020304" pitchFamily="18" charset="0"/>
-              </a:rPr>
-              <a:t>II</a:t>
-            </a:r>
-          </a:p>
-        </p:txBody>
-      </p:sp>
-      <p:sp>
-        <p:nvSpPr>
-          <p:cNvPr id="8" name="TextBox 7">
-            <a:extLst>
-              <a:ext uri="{FF2B5EF4-FFF2-40B4-BE49-F238E27FC236}">
-                <a16:creationId xmlns:a16="http://schemas.microsoft.com/office/drawing/2014/main" id="{0BCFB508-2890-4C58-A010-6BCB8E665849}"/>
-              </a:ext>
-            </a:extLst>
-          </p:cNvPr>
-          <p:cNvSpPr txBox="1"/>
-          <p:nvPr/>
-        </p:nvSpPr>
-        <p:spPr>
-          <a:xfrm>
-            <a:off x="4714755" y="399497"/>
-            <a:ext cx="603050" cy="523220"/>
-          </a:xfrm>
-          <a:prstGeom prst="rect">
-            <a:avLst/>
-          </a:prstGeom>
-          <a:noFill/>
-        </p:spPr>
-        <p:txBody>
-          <a:bodyPr wrap="none" rtlCol="0">
-            <a:spAutoFit/>
-          </a:bodyPr>
-          <a:lstStyle/>
-          <a:p>
-            <a:r>
-              <a:rPr lang="en-US" sz="2800" b="1" dirty="0">
-                <a:latin typeface="Times New Roman" panose="02020603050405020304" pitchFamily="18" charset="0"/>
-                <a:cs typeface="Times New Roman" panose="02020603050405020304" pitchFamily="18" charset="0"/>
-              </a:rPr>
-              <a:t>III</a:t>
-            </a:r>
-          </a:p>
-        </p:txBody>
-      </p:sp>
-      <p:sp>
-        <p:nvSpPr>
-          <p:cNvPr id="9" name="TextBox 8">
-            <a:extLst>
-              <a:ext uri="{FF2B5EF4-FFF2-40B4-BE49-F238E27FC236}">
-                <a16:creationId xmlns:a16="http://schemas.microsoft.com/office/drawing/2014/main" id="{98C50038-0F05-46CF-8608-417082B64AF8}"/>
-              </a:ext>
-            </a:extLst>
-          </p:cNvPr>
-          <p:cNvSpPr txBox="1"/>
-          <p:nvPr/>
-        </p:nvSpPr>
-        <p:spPr>
-          <a:xfrm>
-            <a:off x="7197873" y="336075"/>
-            <a:ext cx="583814" cy="523220"/>
-          </a:xfrm>
-          <a:prstGeom prst="rect">
-            <a:avLst/>
-          </a:prstGeom>
-          <a:noFill/>
-        </p:spPr>
-        <p:txBody>
-          <a:bodyPr wrap="none" rtlCol="0">
-            <a:spAutoFit/>
-          </a:bodyPr>
-          <a:lstStyle/>
-          <a:p>
-            <a:r>
-              <a:rPr lang="en-US" sz="2800" b="1" dirty="0">
-                <a:latin typeface="Times New Roman" panose="02020603050405020304" pitchFamily="18" charset="0"/>
-                <a:cs typeface="Times New Roman" panose="02020603050405020304" pitchFamily="18" charset="0"/>
-              </a:rPr>
-              <a:t>IV</a:t>
-            </a:r>
-          </a:p>
-        </p:txBody>
-      </p:sp>
     </p:spTree>
     <p:extLst>
       <p:ext uri="{BB962C8B-B14F-4D97-AF65-F5344CB8AC3E}">
-        <p14:creationId xmlns:p14="http://schemas.microsoft.com/office/powerpoint/2010/main" val="3019055506"/>
+        <p14:creationId xmlns:p14="http://schemas.microsoft.com/office/powerpoint/2010/main" val="3907291718"/>
       </p:ext>
     </p:extLst>
   </p:cSld>
@@ -3465,4 +4506,299 @@
     </a:ext>
   </a:extLst>
 </a:theme>
+</file>
+
+<file path=ppt/theme/theme2.xml><?xml version="1.0" encoding="utf-8"?>
+<a:theme xmlns:a="http://schemas.openxmlformats.org/drawingml/2006/main" name="Office Theme">
+  <a:themeElements>
+    <a:clrScheme name="Office">
+      <a:dk1>
+        <a:sysClr val="windowText" lastClr="000000"/>
+      </a:dk1>
+      <a:lt1>
+        <a:sysClr val="window" lastClr="FFFFFF"/>
+      </a:lt1>
+      <a:dk2>
+        <a:srgbClr val="44546A"/>
+      </a:dk2>
+      <a:lt2>
+        <a:srgbClr val="E7E6E6"/>
+      </a:lt2>
+      <a:accent1>
+        <a:srgbClr val="4472C4"/>
+      </a:accent1>
+      <a:accent2>
+        <a:srgbClr val="ED7D31"/>
+      </a:accent2>
+      <a:accent3>
+        <a:srgbClr val="A5A5A5"/>
+      </a:accent3>
+      <a:accent4>
+        <a:srgbClr val="FFC000"/>
+      </a:accent4>
+      <a:accent5>
+        <a:srgbClr val="5B9BD5"/>
+      </a:accent5>
+      <a:accent6>
+        <a:srgbClr val="70AD47"/>
+      </a:accent6>
+      <a:hlink>
+        <a:srgbClr val="0563C1"/>
+      </a:hlink>
+      <a:folHlink>
+        <a:srgbClr val="954F72"/>
+      </a:folHlink>
+    </a:clrScheme>
+    <a:fontScheme name="Office">
+      <a:majorFont>
+        <a:latin typeface="Calibri Light" panose="020F0302020204030204"/>
+        <a:ea typeface=""/>
+        <a:cs typeface=""/>
+        <a:font script="Jpan" typeface="游ゴシック Light"/>
+        <a:font script="Hang" typeface="맑은 고딕"/>
+        <a:font script="Hans" typeface="等线 Light"/>
+        <a:font script="Hant" typeface="新細明體"/>
+        <a:font script="Arab" typeface="Times New Roman"/>
+        <a:font script="Hebr" typeface="Times New Roman"/>
+        <a:font script="Thai" typeface="Angsana New"/>
+        <a:font script="Ethi" typeface="Nyala"/>
+        <a:font script="Beng" typeface="Vrinda"/>
+        <a:font script="Gujr" typeface="Shruti"/>
+        <a:font script="Khmr" typeface="MoolBoran"/>
+        <a:font script="Knda" typeface="Tunga"/>
+        <a:font script="Guru" typeface="Raavi"/>
+        <a:font script="Cans" typeface="Euphemia"/>
+        <a:font script="Cher" typeface="Plantagenet Cherokee"/>
+        <a:font script="Yiii" typeface="Microsoft Yi Baiti"/>
+        <a:font script="Tibt" typeface="Microsoft Himalaya"/>
+        <a:font script="Thaa" typeface="MV Boli"/>
+        <a:font script="Deva" typeface="Mangal"/>
+        <a:font script="Telu" typeface="Gautami"/>
+        <a:font script="Taml" typeface="Latha"/>
+        <a:font script="Syrc" typeface="Estrangelo Edessa"/>
+        <a:font script="Orya" typeface="Kalinga"/>
+        <a:font script="Mlym" typeface="Kartika"/>
+        <a:font script="Laoo" typeface="DokChampa"/>
+        <a:font script="Sinh" typeface="Iskoola Pota"/>
+        <a:font script="Mong" typeface="Mongolian Baiti"/>
+        <a:font script="Viet" typeface="Times New Roman"/>
+        <a:font script="Uigh" typeface="Microsoft Uighur"/>
+        <a:font script="Geor" typeface="Sylfaen"/>
+        <a:font script="Armn" typeface="Arial"/>
+        <a:font script="Bugi" typeface="Leelawadee UI"/>
+        <a:font script="Bopo" typeface="Microsoft JhengHei"/>
+        <a:font script="Java" typeface="Javanese Text"/>
+        <a:font script="Lisu" typeface="Segoe UI"/>
+        <a:font script="Mymr" typeface="Myanmar Text"/>
+        <a:font script="Nkoo" typeface="Ebrima"/>
+        <a:font script="Olck" typeface="Nirmala UI"/>
+        <a:font script="Osma" typeface="Ebrima"/>
+        <a:font script="Phag" typeface="Phagspa"/>
+        <a:font script="Syrn" typeface="Estrangelo Edessa"/>
+        <a:font script="Syrj" typeface="Estrangelo Edessa"/>
+        <a:font script="Syre" typeface="Estrangelo Edessa"/>
+        <a:font script="Sora" typeface="Nirmala UI"/>
+        <a:font script="Tale" typeface="Microsoft Tai Le"/>
+        <a:font script="Talu" typeface="Microsoft New Tai Lue"/>
+        <a:font script="Tfng" typeface="Ebrima"/>
+      </a:majorFont>
+      <a:minorFont>
+        <a:latin typeface="Calibri" panose="020F0502020204030204"/>
+        <a:ea typeface=""/>
+        <a:cs typeface=""/>
+        <a:font script="Jpan" typeface="游ゴシック"/>
+        <a:font script="Hang" typeface="맑은 고딕"/>
+        <a:font script="Hans" typeface="等线"/>
+        <a:font script="Hant" typeface="新細明體"/>
+        <a:font script="Arab" typeface="Arial"/>
+        <a:font script="Hebr" typeface="Arial"/>
+        <a:font script="Thai" typeface="Cordia New"/>
+        <a:font script="Ethi" typeface="Nyala"/>
+        <a:font script="Beng" typeface="Vrinda"/>
+        <a:font script="Gujr" typeface="Shruti"/>
+        <a:font script="Khmr" typeface="DaunPenh"/>
+        <a:font script="Knda" typeface="Tunga"/>
+        <a:font script="Guru" typeface="Raavi"/>
+        <a:font script="Cans" typeface="Euphemia"/>
+        <a:font script="Cher" typeface="Plantagenet Cherokee"/>
+        <a:font script="Yiii" typeface="Microsoft Yi Baiti"/>
+        <a:font script="Tibt" typeface="Microsoft Himalaya"/>
+        <a:font script="Thaa" typeface="MV Boli"/>
+        <a:font script="Deva" typeface="Mangal"/>
+        <a:font script="Telu" typeface="Gautami"/>
+        <a:font script="Taml" typeface="Latha"/>
+        <a:font script="Syrc" typeface="Estrangelo Edessa"/>
+        <a:font script="Orya" typeface="Kalinga"/>
+        <a:font script="Mlym" typeface="Kartika"/>
+        <a:font script="Laoo" typeface="DokChampa"/>
+        <a:font script="Sinh" typeface="Iskoola Pota"/>
+        <a:font script="Mong" typeface="Mongolian Baiti"/>
+        <a:font script="Viet" typeface="Arial"/>
+        <a:font script="Uigh" typeface="Microsoft Uighur"/>
+        <a:font script="Geor" typeface="Sylfaen"/>
+        <a:font script="Armn" typeface="Arial"/>
+        <a:font script="Bugi" typeface="Leelawadee UI"/>
+        <a:font script="Bopo" typeface="Microsoft JhengHei"/>
+        <a:font script="Java" typeface="Javanese Text"/>
+        <a:font script="Lisu" typeface="Segoe UI"/>
+        <a:font script="Mymr" typeface="Myanmar Text"/>
+        <a:font script="Nkoo" typeface="Ebrima"/>
+        <a:font script="Olck" typeface="Nirmala UI"/>
+        <a:font script="Osma" typeface="Ebrima"/>
+        <a:font script="Phag" typeface="Phagspa"/>
+        <a:font script="Syrn" typeface="Estrangelo Edessa"/>
+        <a:font script="Syrj" typeface="Estrangelo Edessa"/>
+        <a:font script="Syre" typeface="Estrangelo Edessa"/>
+        <a:font script="Sora" typeface="Nirmala UI"/>
+        <a:font script="Tale" typeface="Microsoft Tai Le"/>
+        <a:font script="Talu" typeface="Microsoft New Tai Lue"/>
+        <a:font script="Tfng" typeface="Ebrima"/>
+      </a:minorFont>
+    </a:fontScheme>
+    <a:fmtScheme name="Office">
+      <a:fillStyleLst>
+        <a:solidFill>
+          <a:schemeClr val="phClr"/>
+        </a:solidFill>
+        <a:gradFill rotWithShape="1">
+          <a:gsLst>
+            <a:gs pos="0">
+              <a:schemeClr val="phClr">
+                <a:lumMod val="110000"/>
+                <a:satMod val="105000"/>
+                <a:tint val="67000"/>
+              </a:schemeClr>
+            </a:gs>
+            <a:gs pos="50000">
+              <a:schemeClr val="phClr">
+                <a:lumMod val="105000"/>
+                <a:satMod val="103000"/>
+                <a:tint val="73000"/>
+              </a:schemeClr>
+            </a:gs>
+            <a:gs pos="100000">
+              <a:schemeClr val="phClr">
+                <a:lumMod val="105000"/>
+                <a:satMod val="109000"/>
+                <a:tint val="81000"/>
+              </a:schemeClr>
+            </a:gs>
+          </a:gsLst>
+          <a:lin ang="5400000" scaled="0"/>
+        </a:gradFill>
+        <a:gradFill rotWithShape="1">
+          <a:gsLst>
+            <a:gs pos="0">
+              <a:schemeClr val="phClr">
+                <a:satMod val="103000"/>
+                <a:lumMod val="102000"/>
+                <a:tint val="94000"/>
+              </a:schemeClr>
+            </a:gs>
+            <a:gs pos="50000">
+              <a:schemeClr val="phClr">
+                <a:satMod val="110000"/>
+                <a:lumMod val="100000"/>
+                <a:shade val="100000"/>
+              </a:schemeClr>
+            </a:gs>
+            <a:gs pos="100000">
+              <a:schemeClr val="phClr">
+                <a:lumMod val="99000"/>
+                <a:satMod val="120000"/>
+                <a:shade val="78000"/>
+              </a:schemeClr>
+            </a:gs>
+          </a:gsLst>
+          <a:lin ang="5400000" scaled="0"/>
+        </a:gradFill>
+      </a:fillStyleLst>
+      <a:lnStyleLst>
+        <a:ln w="6350" cap="flat" cmpd="sng" algn="ctr">
+          <a:solidFill>
+            <a:schemeClr val="phClr"/>
+          </a:solidFill>
+          <a:prstDash val="solid"/>
+          <a:miter lim="800000"/>
+        </a:ln>
+        <a:ln w="12700" cap="flat" cmpd="sng" algn="ctr">
+          <a:solidFill>
+            <a:schemeClr val="phClr"/>
+          </a:solidFill>
+          <a:prstDash val="solid"/>
+          <a:miter lim="800000"/>
+        </a:ln>
+        <a:ln w="19050" cap="flat" cmpd="sng" algn="ctr">
+          <a:solidFill>
+            <a:schemeClr val="phClr"/>
+          </a:solidFill>
+          <a:prstDash val="solid"/>
+          <a:miter lim="800000"/>
+        </a:ln>
+      </a:lnStyleLst>
+      <a:effectStyleLst>
+        <a:effectStyle>
+          <a:effectLst/>
+        </a:effectStyle>
+        <a:effectStyle>
+          <a:effectLst/>
+        </a:effectStyle>
+        <a:effectStyle>
+          <a:effectLst>
+            <a:outerShdw blurRad="57150" dist="19050" dir="5400000" algn="ctr" rotWithShape="0">
+              <a:srgbClr val="000000">
+                <a:alpha val="63000"/>
+              </a:srgbClr>
+            </a:outerShdw>
+          </a:effectLst>
+        </a:effectStyle>
+      </a:effectStyleLst>
+      <a:bgFillStyleLst>
+        <a:solidFill>
+          <a:schemeClr val="phClr"/>
+        </a:solidFill>
+        <a:solidFill>
+          <a:schemeClr val="phClr">
+            <a:tint val="95000"/>
+            <a:satMod val="170000"/>
+          </a:schemeClr>
+        </a:solidFill>
+        <a:gradFill rotWithShape="1">
+          <a:gsLst>
+            <a:gs pos="0">
+              <a:schemeClr val="phClr">
+                <a:tint val="93000"/>
+                <a:satMod val="150000"/>
+                <a:shade val="98000"/>
+                <a:lumMod val="102000"/>
+              </a:schemeClr>
+            </a:gs>
+            <a:gs pos="50000">
+              <a:schemeClr val="phClr">
+                <a:tint val="98000"/>
+                <a:satMod val="130000"/>
+                <a:shade val="90000"/>
+                <a:lumMod val="103000"/>
+              </a:schemeClr>
+            </a:gs>
+            <a:gs pos="100000">
+              <a:schemeClr val="phClr">
+                <a:shade val="63000"/>
+                <a:satMod val="120000"/>
+              </a:schemeClr>
+            </a:gs>
+          </a:gsLst>
+          <a:lin ang="5400000" scaled="0"/>
+        </a:gradFill>
+      </a:bgFillStyleLst>
+    </a:fmtScheme>
+  </a:themeElements>
+  <a:objectDefaults/>
+  <a:extraClrSchemeLst/>
+  <a:extLst>
+    <a:ext uri="{05A4C25C-085E-4340-85A3-A5531E510DB2}">
+      <thm15:themeFamily xmlns:thm15="http://schemas.microsoft.com/office/thememl/2012/main" name="Office Theme" id="{62F939B6-93AF-4DB8-9C6B-D6C7DFDC589F}" vid="{4A3C46E8-61CC-4603-A589-7422A47A8E4A}"/>
+    </a:ext>
+  </a:extLst>
+</a:theme>
 </file>